--- a/e-waste.pptx
+++ b/e-waste.pptx
@@ -8,12 +8,15 @@
     <p:sldId id="256" r:id="rId2"/>
     <p:sldId id="257" r:id="rId3"/>
     <p:sldId id="258" r:id="rId4"/>
-    <p:sldId id="259" r:id="rId5"/>
-    <p:sldId id="260" r:id="rId6"/>
-    <p:sldId id="261" r:id="rId7"/>
-    <p:sldId id="262" r:id="rId8"/>
-    <p:sldId id="265" r:id="rId9"/>
-    <p:sldId id="266" r:id="rId10"/>
+    <p:sldId id="267" r:id="rId5"/>
+    <p:sldId id="268" r:id="rId6"/>
+    <p:sldId id="269" r:id="rId7"/>
+    <p:sldId id="259" r:id="rId8"/>
+    <p:sldId id="260" r:id="rId9"/>
+    <p:sldId id="261" r:id="rId10"/>
+    <p:sldId id="262" r:id="rId11"/>
+    <p:sldId id="265" r:id="rId12"/>
+    <p:sldId id="266" r:id="rId13"/>
   </p:sldIdLst>
   <p:sldSz cx="9144000" cy="6858000" type="screen4x3"/>
   <p:notesSz cx="6858000" cy="9144000"/>
@@ -135,8 +138,8 @@
 <pc:chgInfo xmlns:a="http://schemas.openxmlformats.org/drawingml/2006/main" xmlns:r="http://schemas.openxmlformats.org/officeDocument/2006/relationships" xmlns:ac="http://schemas.microsoft.com/office/drawing/2013/main/command" xmlns:pc="http://schemas.microsoft.com/office/powerpoint/2013/main/command">
   <pc:docChgLst>
     <pc:chgData name="rudra shivhare" userId="6820c723002916ee" providerId="LiveId" clId="{EFD2A882-90EB-4422-9E55-1A69A2833FE3}"/>
-    <pc:docChg chg="undo custSel addSld delSld modSld">
-      <pc:chgData name="rudra shivhare" userId="6820c723002916ee" providerId="LiveId" clId="{EFD2A882-90EB-4422-9E55-1A69A2833FE3}" dt="2024-06-26T17:19:18.971" v="1171" actId="207"/>
+    <pc:docChg chg="undo custSel addSld delSld modSld sldOrd">
+      <pc:chgData name="rudra shivhare" userId="6820c723002916ee" providerId="LiveId" clId="{EFD2A882-90EB-4422-9E55-1A69A2833FE3}" dt="2024-08-07T16:55:35.394" v="1479" actId="1076"/>
       <pc:docMkLst>
         <pc:docMk/>
       </pc:docMkLst>
@@ -418,13 +421,6 @@
           </ac:spMkLst>
         </pc:spChg>
       </pc:sldChg>
-      <pc:sldChg chg="del">
-        <pc:chgData name="rudra shivhare" userId="6820c723002916ee" providerId="LiveId" clId="{EFD2A882-90EB-4422-9E55-1A69A2833FE3}" dt="2024-06-26T17:08:57.518" v="60" actId="47"/>
-        <pc:sldMkLst>
-          <pc:docMk/>
-          <pc:sldMk cId="0" sldId="266"/>
-        </pc:sldMkLst>
-      </pc:sldChg>
       <pc:sldChg chg="modSp new mod">
         <pc:chgData name="rudra shivhare" userId="6820c723002916ee" providerId="LiveId" clId="{EFD2A882-90EB-4422-9E55-1A69A2833FE3}" dt="2024-06-26T17:14:37.149" v="779" actId="122"/>
         <pc:sldMkLst>
@@ -448,9 +444,2410 @@
           </ac:spMkLst>
         </pc:spChg>
       </pc:sldChg>
+      <pc:sldChg chg="del">
+        <pc:chgData name="rudra shivhare" userId="6820c723002916ee" providerId="LiveId" clId="{EFD2A882-90EB-4422-9E55-1A69A2833FE3}" dt="2024-06-26T17:08:57.518" v="60" actId="47"/>
+        <pc:sldMkLst>
+          <pc:docMk/>
+          <pc:sldMk cId="2845699491" sldId="266"/>
+        </pc:sldMkLst>
+      </pc:sldChg>
+      <pc:sldChg chg="addSp delSp modSp new mod ord">
+        <pc:chgData name="rudra shivhare" userId="6820c723002916ee" providerId="LiveId" clId="{EFD2A882-90EB-4422-9E55-1A69A2833FE3}" dt="2024-08-07T16:46:13.308" v="1289"/>
+        <pc:sldMkLst>
+          <pc:docMk/>
+          <pc:sldMk cId="3322786182" sldId="267"/>
+        </pc:sldMkLst>
+        <pc:spChg chg="mod">
+          <ac:chgData name="rudra shivhare" userId="6820c723002916ee" providerId="LiveId" clId="{EFD2A882-90EB-4422-9E55-1A69A2833FE3}" dt="2024-08-07T16:41:04.930" v="1200" actId="20577"/>
+          <ac:spMkLst>
+            <pc:docMk/>
+            <pc:sldMk cId="3322786182" sldId="267"/>
+            <ac:spMk id="2" creationId="{A966328F-46F4-9832-1BD2-CF5A8A3AE3AD}"/>
+          </ac:spMkLst>
+        </pc:spChg>
+        <pc:spChg chg="del">
+          <ac:chgData name="rudra shivhare" userId="6820c723002916ee" providerId="LiveId" clId="{EFD2A882-90EB-4422-9E55-1A69A2833FE3}" dt="2024-08-07T16:40:00.157" v="1173" actId="1032"/>
+          <ac:spMkLst>
+            <pc:docMk/>
+            <pc:sldMk cId="3322786182" sldId="267"/>
+            <ac:spMk id="3" creationId="{9F5D1515-42CA-361E-70A1-F44454ECAB9E}"/>
+          </ac:spMkLst>
+        </pc:spChg>
+        <pc:spChg chg="add del mod">
+          <ac:chgData name="rudra shivhare" userId="6820c723002916ee" providerId="LiveId" clId="{EFD2A882-90EB-4422-9E55-1A69A2833FE3}" dt="2024-08-07T16:45:51.156" v="1269" actId="1032"/>
+          <ac:spMkLst>
+            <pc:docMk/>
+            <pc:sldMk cId="3322786182" sldId="267"/>
+            <ac:spMk id="6" creationId="{4127FCD4-7342-60B9-660C-6FC99474CB35}"/>
+          </ac:spMkLst>
+        </pc:spChg>
+        <pc:graphicFrameChg chg="add del mod modGraphic">
+          <ac:chgData name="rudra shivhare" userId="6820c723002916ee" providerId="LiveId" clId="{EFD2A882-90EB-4422-9E55-1A69A2833FE3}" dt="2024-08-07T16:45:37.212" v="1268" actId="478"/>
+          <ac:graphicFrameMkLst>
+            <pc:docMk/>
+            <pc:sldMk cId="3322786182" sldId="267"/>
+            <ac:graphicFrameMk id="4" creationId="{A38D7198-EE03-9B6A-FDC0-1C941464A44C}"/>
+          </ac:graphicFrameMkLst>
+        </pc:graphicFrameChg>
+        <pc:graphicFrameChg chg="add mod modGraphic">
+          <ac:chgData name="rudra shivhare" userId="6820c723002916ee" providerId="LiveId" clId="{EFD2A882-90EB-4422-9E55-1A69A2833FE3}" dt="2024-08-07T16:46:05.448" v="1287" actId="20577"/>
+          <ac:graphicFrameMkLst>
+            <pc:docMk/>
+            <pc:sldMk cId="3322786182" sldId="267"/>
+            <ac:graphicFrameMk id="7" creationId="{3D049482-C02A-5AE8-5566-2593F854E52A}"/>
+          </ac:graphicFrameMkLst>
+        </pc:graphicFrameChg>
+      </pc:sldChg>
+      <pc:sldChg chg="addSp modSp new mod">
+        <pc:chgData name="rudra shivhare" userId="6820c723002916ee" providerId="LiveId" clId="{EFD2A882-90EB-4422-9E55-1A69A2833FE3}" dt="2024-08-07T16:52:09.538" v="1474" actId="14100"/>
+        <pc:sldMkLst>
+          <pc:docMk/>
+          <pc:sldMk cId="4273266085" sldId="268"/>
+        </pc:sldMkLst>
+        <pc:spChg chg="mod">
+          <ac:chgData name="rudra shivhare" userId="6820c723002916ee" providerId="LiveId" clId="{EFD2A882-90EB-4422-9E55-1A69A2833FE3}" dt="2024-08-07T16:48:56.715" v="1432" actId="20577"/>
+          <ac:spMkLst>
+            <pc:docMk/>
+            <pc:sldMk cId="4273266085" sldId="268"/>
+            <ac:spMk id="2" creationId="{8AE84679-7474-FEA7-AF3F-7B7773DC9971}"/>
+          </ac:spMkLst>
+        </pc:spChg>
+        <pc:spChg chg="mod">
+          <ac:chgData name="rudra shivhare" userId="6820c723002916ee" providerId="LiveId" clId="{EFD2A882-90EB-4422-9E55-1A69A2833FE3}" dt="2024-08-07T16:49:06.883" v="1451" actId="20577"/>
+          <ac:spMkLst>
+            <pc:docMk/>
+            <pc:sldMk cId="4273266085" sldId="268"/>
+            <ac:spMk id="3" creationId="{7C19C7B3-CE63-15C8-E836-F9EF88CE7C6A}"/>
+          </ac:spMkLst>
+        </pc:spChg>
+        <pc:picChg chg="add mod">
+          <ac:chgData name="rudra shivhare" userId="6820c723002916ee" providerId="LiveId" clId="{EFD2A882-90EB-4422-9E55-1A69A2833FE3}" dt="2024-08-07T16:52:09.538" v="1474" actId="14100"/>
+          <ac:picMkLst>
+            <pc:docMk/>
+            <pc:sldMk cId="4273266085" sldId="268"/>
+            <ac:picMk id="5" creationId="{8F343AD9-15AA-A880-8B04-57E5F9FF52A5}"/>
+          </ac:picMkLst>
+        </pc:picChg>
+      </pc:sldChg>
+      <pc:sldChg chg="addSp delSp modSp new mod">
+        <pc:chgData name="rudra shivhare" userId="6820c723002916ee" providerId="LiveId" clId="{EFD2A882-90EB-4422-9E55-1A69A2833FE3}" dt="2024-08-07T16:55:35.394" v="1479" actId="1076"/>
+        <pc:sldMkLst>
+          <pc:docMk/>
+          <pc:sldMk cId="2878170183" sldId="269"/>
+        </pc:sldMkLst>
+        <pc:spChg chg="mod">
+          <ac:chgData name="rudra shivhare" userId="6820c723002916ee" providerId="LiveId" clId="{EFD2A882-90EB-4422-9E55-1A69A2833FE3}" dt="2024-08-07T16:48:44.893" v="1413" actId="20577"/>
+          <ac:spMkLst>
+            <pc:docMk/>
+            <pc:sldMk cId="2878170183" sldId="269"/>
+            <ac:spMk id="2" creationId="{2B445783-79BA-796C-B802-FEA35D870410}"/>
+          </ac:spMkLst>
+        </pc:spChg>
+        <pc:spChg chg="mod">
+          <ac:chgData name="rudra shivhare" userId="6820c723002916ee" providerId="LiveId" clId="{EFD2A882-90EB-4422-9E55-1A69A2833FE3}" dt="2024-08-07T16:50:17.819" v="1464"/>
+          <ac:spMkLst>
+            <pc:docMk/>
+            <pc:sldMk cId="2878170183" sldId="269"/>
+            <ac:spMk id="3" creationId="{38ABB194-E267-98E9-EB37-9BC69739D824}"/>
+          </ac:spMkLst>
+        </pc:spChg>
+        <pc:spChg chg="add">
+          <ac:chgData name="rudra shivhare" userId="6820c723002916ee" providerId="LiveId" clId="{EFD2A882-90EB-4422-9E55-1A69A2833FE3}" dt="2024-08-07T16:49:39.403" v="1463"/>
+          <ac:spMkLst>
+            <pc:docMk/>
+            <pc:sldMk cId="2878170183" sldId="269"/>
+            <ac:spMk id="4" creationId="{936D7381-8336-75F7-484C-3289789C188D}"/>
+          </ac:spMkLst>
+        </pc:spChg>
+        <pc:picChg chg="add del mod">
+          <ac:chgData name="rudra shivhare" userId="6820c723002916ee" providerId="LiveId" clId="{EFD2A882-90EB-4422-9E55-1A69A2833FE3}" dt="2024-08-07T16:51:45.863" v="1468" actId="478"/>
+          <ac:picMkLst>
+            <pc:docMk/>
+            <pc:sldMk cId="2878170183" sldId="269"/>
+            <ac:picMk id="6" creationId="{3D3C64EC-5F8E-E8BE-9DD3-91CC4834AC74}"/>
+          </ac:picMkLst>
+        </pc:picChg>
+        <pc:picChg chg="add mod">
+          <ac:chgData name="rudra shivhare" userId="6820c723002916ee" providerId="LiveId" clId="{EFD2A882-90EB-4422-9E55-1A69A2833FE3}" dt="2024-08-07T16:55:35.394" v="1479" actId="1076"/>
+          <ac:picMkLst>
+            <pc:docMk/>
+            <pc:sldMk cId="2878170183" sldId="269"/>
+            <ac:picMk id="8" creationId="{3ACAFD8D-F173-D0C3-FC4D-86CA37DA057C}"/>
+          </ac:picMkLst>
+        </pc:picChg>
+      </pc:sldChg>
+      <pc:sldChg chg="add del">
+        <pc:chgData name="rudra shivhare" userId="6820c723002916ee" providerId="LiveId" clId="{EFD2A882-90EB-4422-9E55-1A69A2833FE3}" dt="2024-08-07T16:55:08.822" v="1476" actId="47"/>
+        <pc:sldMkLst>
+          <pc:docMk/>
+          <pc:sldMk cId="2115440158" sldId="270"/>
+        </pc:sldMkLst>
+      </pc:sldChg>
     </pc:docChg>
   </pc:docChgLst>
 </pc:chgInfo>
+</file>
+
+<file path=ppt/diagrams/colors1.xml><?xml version="1.0" encoding="utf-8"?>
+<dgm:colorsDef xmlns:dgm="http://schemas.openxmlformats.org/drawingml/2006/diagram" xmlns:a="http://schemas.openxmlformats.org/drawingml/2006/main" uniqueId="urn:microsoft.com/office/officeart/2005/8/colors/accent1_2">
+  <dgm:title val=""/>
+  <dgm:desc val=""/>
+  <dgm:catLst>
+    <dgm:cat type="accent1" pri="11200"/>
+  </dgm:catLst>
+  <dgm:styleLbl name="node0">
+    <dgm:fillClrLst meth="repeat">
+      <a:schemeClr val="accent1"/>
+    </dgm:fillClrLst>
+    <dgm:linClrLst meth="repeat">
+      <a:schemeClr val="lt1"/>
+    </dgm:linClrLst>
+    <dgm:effectClrLst/>
+    <dgm:txLinClrLst/>
+    <dgm:txFillClrLst/>
+    <dgm:txEffectClrLst/>
+  </dgm:styleLbl>
+  <dgm:styleLbl name="alignNode1">
+    <dgm:fillClrLst meth="repeat">
+      <a:schemeClr val="accent1"/>
+    </dgm:fillClrLst>
+    <dgm:linClrLst meth="repeat">
+      <a:schemeClr val="accent1"/>
+    </dgm:linClrLst>
+    <dgm:effectClrLst/>
+    <dgm:txLinClrLst/>
+    <dgm:txFillClrLst/>
+    <dgm:txEffectClrLst/>
+  </dgm:styleLbl>
+  <dgm:styleLbl name="node1">
+    <dgm:fillClrLst meth="repeat">
+      <a:schemeClr val="accent1"/>
+    </dgm:fillClrLst>
+    <dgm:linClrLst meth="repeat">
+      <a:schemeClr val="lt1"/>
+    </dgm:linClrLst>
+    <dgm:effectClrLst/>
+    <dgm:txLinClrLst/>
+    <dgm:txFillClrLst/>
+    <dgm:txEffectClrLst/>
+  </dgm:styleLbl>
+  <dgm:styleLbl name="lnNode1">
+    <dgm:fillClrLst meth="repeat">
+      <a:schemeClr val="accent1"/>
+    </dgm:fillClrLst>
+    <dgm:linClrLst meth="repeat">
+      <a:schemeClr val="lt1"/>
+    </dgm:linClrLst>
+    <dgm:effectClrLst/>
+    <dgm:txLinClrLst/>
+    <dgm:txFillClrLst/>
+    <dgm:txEffectClrLst/>
+  </dgm:styleLbl>
+  <dgm:styleLbl name="vennNode1">
+    <dgm:fillClrLst meth="repeat">
+      <a:schemeClr val="accent1">
+        <a:alpha val="50000"/>
+      </a:schemeClr>
+    </dgm:fillClrLst>
+    <dgm:linClrLst meth="repeat">
+      <a:schemeClr val="lt1"/>
+    </dgm:linClrLst>
+    <dgm:effectClrLst/>
+    <dgm:txLinClrLst/>
+    <dgm:txFillClrLst/>
+    <dgm:txEffectClrLst/>
+  </dgm:styleLbl>
+  <dgm:styleLbl name="node2">
+    <dgm:fillClrLst meth="repeat">
+      <a:schemeClr val="accent1"/>
+    </dgm:fillClrLst>
+    <dgm:linClrLst meth="repeat">
+      <a:schemeClr val="lt1"/>
+    </dgm:linClrLst>
+    <dgm:effectClrLst/>
+    <dgm:txLinClrLst/>
+    <dgm:txFillClrLst/>
+    <dgm:txEffectClrLst/>
+  </dgm:styleLbl>
+  <dgm:styleLbl name="node3">
+    <dgm:fillClrLst meth="repeat">
+      <a:schemeClr val="accent1"/>
+    </dgm:fillClrLst>
+    <dgm:linClrLst meth="repeat">
+      <a:schemeClr val="lt1"/>
+    </dgm:linClrLst>
+    <dgm:effectClrLst/>
+    <dgm:txLinClrLst/>
+    <dgm:txFillClrLst/>
+    <dgm:txEffectClrLst/>
+  </dgm:styleLbl>
+  <dgm:styleLbl name="node4">
+    <dgm:fillClrLst meth="repeat">
+      <a:schemeClr val="accent1"/>
+    </dgm:fillClrLst>
+    <dgm:linClrLst meth="repeat">
+      <a:schemeClr val="lt1"/>
+    </dgm:linClrLst>
+    <dgm:effectClrLst/>
+    <dgm:txLinClrLst/>
+    <dgm:txFillClrLst/>
+    <dgm:txEffectClrLst/>
+  </dgm:styleLbl>
+  <dgm:styleLbl name="fgImgPlace1">
+    <dgm:fillClrLst meth="repeat">
+      <a:schemeClr val="accent1">
+        <a:tint val="50000"/>
+      </a:schemeClr>
+    </dgm:fillClrLst>
+    <dgm:linClrLst meth="repeat">
+      <a:schemeClr val="lt1"/>
+    </dgm:linClrLst>
+    <dgm:effectClrLst/>
+    <dgm:txLinClrLst/>
+    <dgm:txFillClrLst meth="repeat">
+      <a:schemeClr val="lt1"/>
+    </dgm:txFillClrLst>
+    <dgm:txEffectClrLst/>
+  </dgm:styleLbl>
+  <dgm:styleLbl name="alignImgPlace1">
+    <dgm:fillClrLst meth="repeat">
+      <a:schemeClr val="accent1">
+        <a:tint val="50000"/>
+      </a:schemeClr>
+    </dgm:fillClrLst>
+    <dgm:linClrLst meth="repeat">
+      <a:schemeClr val="lt1"/>
+    </dgm:linClrLst>
+    <dgm:effectClrLst/>
+    <dgm:txLinClrLst/>
+    <dgm:txFillClrLst meth="repeat">
+      <a:schemeClr val="lt1"/>
+    </dgm:txFillClrLst>
+    <dgm:txEffectClrLst/>
+  </dgm:styleLbl>
+  <dgm:styleLbl name="bgImgPlace1">
+    <dgm:fillClrLst meth="repeat">
+      <a:schemeClr val="accent1">
+        <a:tint val="50000"/>
+      </a:schemeClr>
+    </dgm:fillClrLst>
+    <dgm:linClrLst meth="repeat">
+      <a:schemeClr val="lt1"/>
+    </dgm:linClrLst>
+    <dgm:effectClrLst/>
+    <dgm:txLinClrLst/>
+    <dgm:txFillClrLst meth="repeat">
+      <a:schemeClr val="lt1"/>
+    </dgm:txFillClrLst>
+    <dgm:txEffectClrLst/>
+  </dgm:styleLbl>
+  <dgm:styleLbl name="sibTrans2D1">
+    <dgm:fillClrLst meth="repeat">
+      <a:schemeClr val="accent1">
+        <a:tint val="60000"/>
+      </a:schemeClr>
+    </dgm:fillClrLst>
+    <dgm:linClrLst meth="repeat">
+      <a:schemeClr val="accent1">
+        <a:tint val="60000"/>
+      </a:schemeClr>
+    </dgm:linClrLst>
+    <dgm:effectClrLst/>
+    <dgm:txLinClrLst/>
+    <dgm:txFillClrLst/>
+    <dgm:txEffectClrLst/>
+  </dgm:styleLbl>
+  <dgm:styleLbl name="fgSibTrans2D1">
+    <dgm:fillClrLst meth="repeat">
+      <a:schemeClr val="accent1">
+        <a:tint val="60000"/>
+      </a:schemeClr>
+    </dgm:fillClrLst>
+    <dgm:linClrLst meth="repeat">
+      <a:schemeClr val="accent1">
+        <a:tint val="60000"/>
+      </a:schemeClr>
+    </dgm:linClrLst>
+    <dgm:effectClrLst/>
+    <dgm:txLinClrLst/>
+    <dgm:txFillClrLst/>
+    <dgm:txEffectClrLst/>
+  </dgm:styleLbl>
+  <dgm:styleLbl name="bgSibTrans2D1">
+    <dgm:fillClrLst meth="repeat">
+      <a:schemeClr val="accent1">
+        <a:tint val="60000"/>
+      </a:schemeClr>
+    </dgm:fillClrLst>
+    <dgm:linClrLst meth="repeat">
+      <a:schemeClr val="accent1">
+        <a:tint val="60000"/>
+      </a:schemeClr>
+    </dgm:linClrLst>
+    <dgm:effectClrLst/>
+    <dgm:txLinClrLst/>
+    <dgm:txFillClrLst/>
+    <dgm:txEffectClrLst/>
+  </dgm:styleLbl>
+  <dgm:styleLbl name="sibTrans1D1">
+    <dgm:fillClrLst meth="repeat">
+      <a:schemeClr val="accent1"/>
+    </dgm:fillClrLst>
+    <dgm:linClrLst meth="repeat">
+      <a:schemeClr val="accent1"/>
+    </dgm:linClrLst>
+    <dgm:effectClrLst/>
+    <dgm:txLinClrLst/>
+    <dgm:txFillClrLst meth="repeat">
+      <a:schemeClr val="tx1"/>
+    </dgm:txFillClrLst>
+    <dgm:txEffectClrLst/>
+  </dgm:styleLbl>
+  <dgm:styleLbl name="callout">
+    <dgm:fillClrLst meth="repeat">
+      <a:schemeClr val="accent1"/>
+    </dgm:fillClrLst>
+    <dgm:linClrLst meth="repeat">
+      <a:schemeClr val="accent1">
+        <a:tint val="50000"/>
+      </a:schemeClr>
+    </dgm:linClrLst>
+    <dgm:effectClrLst/>
+    <dgm:txLinClrLst/>
+    <dgm:txFillClrLst meth="repeat">
+      <a:schemeClr val="tx1"/>
+    </dgm:txFillClrLst>
+    <dgm:txEffectClrLst/>
+  </dgm:styleLbl>
+  <dgm:styleLbl name="asst0">
+    <dgm:fillClrLst meth="repeat">
+      <a:schemeClr val="accent1"/>
+    </dgm:fillClrLst>
+    <dgm:linClrLst meth="repeat">
+      <a:schemeClr val="lt1"/>
+    </dgm:linClrLst>
+    <dgm:effectClrLst/>
+    <dgm:txLinClrLst/>
+    <dgm:txFillClrLst/>
+    <dgm:txEffectClrLst/>
+  </dgm:styleLbl>
+  <dgm:styleLbl name="asst1">
+    <dgm:fillClrLst meth="repeat">
+      <a:schemeClr val="accent1"/>
+    </dgm:fillClrLst>
+    <dgm:linClrLst meth="repeat">
+      <a:schemeClr val="lt1"/>
+    </dgm:linClrLst>
+    <dgm:effectClrLst/>
+    <dgm:txLinClrLst/>
+    <dgm:txFillClrLst/>
+    <dgm:txEffectClrLst/>
+  </dgm:styleLbl>
+  <dgm:styleLbl name="asst2">
+    <dgm:fillClrLst meth="repeat">
+      <a:schemeClr val="accent1"/>
+    </dgm:fillClrLst>
+    <dgm:linClrLst meth="repeat">
+      <a:schemeClr val="lt1"/>
+    </dgm:linClrLst>
+    <dgm:effectClrLst/>
+    <dgm:txLinClrLst/>
+    <dgm:txFillClrLst/>
+    <dgm:txEffectClrLst/>
+  </dgm:styleLbl>
+  <dgm:styleLbl name="asst3">
+    <dgm:fillClrLst meth="repeat">
+      <a:schemeClr val="accent1"/>
+    </dgm:fillClrLst>
+    <dgm:linClrLst meth="repeat">
+      <a:schemeClr val="lt1"/>
+    </dgm:linClrLst>
+    <dgm:effectClrLst/>
+    <dgm:txLinClrLst/>
+    <dgm:txFillClrLst/>
+    <dgm:txEffectClrLst/>
+  </dgm:styleLbl>
+  <dgm:styleLbl name="asst4">
+    <dgm:fillClrLst meth="repeat">
+      <a:schemeClr val="accent1"/>
+    </dgm:fillClrLst>
+    <dgm:linClrLst meth="repeat">
+      <a:schemeClr val="lt1"/>
+    </dgm:linClrLst>
+    <dgm:effectClrLst/>
+    <dgm:txLinClrLst/>
+    <dgm:txFillClrLst/>
+    <dgm:txEffectClrLst/>
+  </dgm:styleLbl>
+  <dgm:styleLbl name="parChTrans2D1">
+    <dgm:fillClrLst meth="repeat">
+      <a:schemeClr val="accent1">
+        <a:tint val="60000"/>
+      </a:schemeClr>
+    </dgm:fillClrLst>
+    <dgm:linClrLst meth="repeat">
+      <a:schemeClr val="accent1">
+        <a:tint val="60000"/>
+      </a:schemeClr>
+    </dgm:linClrLst>
+    <dgm:effectClrLst/>
+    <dgm:txLinClrLst/>
+    <dgm:txFillClrLst meth="repeat">
+      <a:schemeClr val="lt1"/>
+    </dgm:txFillClrLst>
+    <dgm:txEffectClrLst/>
+  </dgm:styleLbl>
+  <dgm:styleLbl name="parChTrans2D2">
+    <dgm:fillClrLst meth="repeat">
+      <a:schemeClr val="accent1"/>
+    </dgm:fillClrLst>
+    <dgm:linClrLst meth="repeat">
+      <a:schemeClr val="accent1"/>
+    </dgm:linClrLst>
+    <dgm:effectClrLst/>
+    <dgm:txLinClrLst/>
+    <dgm:txFillClrLst meth="repeat">
+      <a:schemeClr val="lt1"/>
+    </dgm:txFillClrLst>
+    <dgm:txEffectClrLst/>
+  </dgm:styleLbl>
+  <dgm:styleLbl name="parChTrans2D3">
+    <dgm:fillClrLst meth="repeat">
+      <a:schemeClr val="accent1"/>
+    </dgm:fillClrLst>
+    <dgm:linClrLst meth="repeat">
+      <a:schemeClr val="accent1"/>
+    </dgm:linClrLst>
+    <dgm:effectClrLst/>
+    <dgm:txLinClrLst/>
+    <dgm:txFillClrLst meth="repeat">
+      <a:schemeClr val="lt1"/>
+    </dgm:txFillClrLst>
+    <dgm:txEffectClrLst/>
+  </dgm:styleLbl>
+  <dgm:styleLbl name="parChTrans2D4">
+    <dgm:fillClrLst meth="repeat">
+      <a:schemeClr val="accent1"/>
+    </dgm:fillClrLst>
+    <dgm:linClrLst meth="repeat">
+      <a:schemeClr val="accent1"/>
+    </dgm:linClrLst>
+    <dgm:effectClrLst/>
+    <dgm:txLinClrLst/>
+    <dgm:txFillClrLst meth="repeat">
+      <a:schemeClr val="lt1"/>
+    </dgm:txFillClrLst>
+    <dgm:txEffectClrLst/>
+  </dgm:styleLbl>
+  <dgm:styleLbl name="parChTrans1D1">
+    <dgm:fillClrLst meth="repeat">
+      <a:schemeClr val="accent1"/>
+    </dgm:fillClrLst>
+    <dgm:linClrLst meth="repeat">
+      <a:schemeClr val="accent1">
+        <a:shade val="60000"/>
+      </a:schemeClr>
+    </dgm:linClrLst>
+    <dgm:effectClrLst/>
+    <dgm:txLinClrLst/>
+    <dgm:txFillClrLst meth="repeat">
+      <a:schemeClr val="tx1"/>
+    </dgm:txFillClrLst>
+    <dgm:txEffectClrLst/>
+  </dgm:styleLbl>
+  <dgm:styleLbl name="parChTrans1D2">
+    <dgm:fillClrLst meth="repeat">
+      <a:schemeClr val="accent1"/>
+    </dgm:fillClrLst>
+    <dgm:linClrLst meth="repeat">
+      <a:schemeClr val="accent1">
+        <a:shade val="60000"/>
+      </a:schemeClr>
+    </dgm:linClrLst>
+    <dgm:effectClrLst/>
+    <dgm:txLinClrLst/>
+    <dgm:txFillClrLst meth="repeat">
+      <a:schemeClr val="tx1"/>
+    </dgm:txFillClrLst>
+    <dgm:txEffectClrLst/>
+  </dgm:styleLbl>
+  <dgm:styleLbl name="parChTrans1D3">
+    <dgm:fillClrLst meth="repeat">
+      <a:schemeClr val="accent1"/>
+    </dgm:fillClrLst>
+    <dgm:linClrLst meth="repeat">
+      <a:schemeClr val="accent1">
+        <a:shade val="80000"/>
+      </a:schemeClr>
+    </dgm:linClrLst>
+    <dgm:effectClrLst/>
+    <dgm:txLinClrLst/>
+    <dgm:txFillClrLst meth="repeat">
+      <a:schemeClr val="tx1"/>
+    </dgm:txFillClrLst>
+    <dgm:txEffectClrLst/>
+  </dgm:styleLbl>
+  <dgm:styleLbl name="parChTrans1D4">
+    <dgm:fillClrLst meth="repeat">
+      <a:schemeClr val="accent1"/>
+    </dgm:fillClrLst>
+    <dgm:linClrLst meth="repeat">
+      <a:schemeClr val="accent1">
+        <a:shade val="80000"/>
+      </a:schemeClr>
+    </dgm:linClrLst>
+    <dgm:effectClrLst/>
+    <dgm:txLinClrLst/>
+    <dgm:txFillClrLst meth="repeat">
+      <a:schemeClr val="tx1"/>
+    </dgm:txFillClrLst>
+    <dgm:txEffectClrLst/>
+  </dgm:styleLbl>
+  <dgm:styleLbl name="fgAcc1">
+    <dgm:fillClrLst meth="repeat">
+      <a:schemeClr val="lt1">
+        <a:alpha val="90000"/>
+      </a:schemeClr>
+    </dgm:fillClrLst>
+    <dgm:linClrLst meth="repeat">
+      <a:schemeClr val="accent1"/>
+    </dgm:linClrLst>
+    <dgm:effectClrLst/>
+    <dgm:txLinClrLst/>
+    <dgm:txFillClrLst meth="repeat">
+      <a:schemeClr val="dk1"/>
+    </dgm:txFillClrLst>
+    <dgm:txEffectClrLst/>
+  </dgm:styleLbl>
+  <dgm:styleLbl name="conFgAcc1">
+    <dgm:fillClrLst meth="repeat">
+      <a:schemeClr val="lt1">
+        <a:alpha val="90000"/>
+      </a:schemeClr>
+    </dgm:fillClrLst>
+    <dgm:linClrLst meth="repeat">
+      <a:schemeClr val="accent1"/>
+    </dgm:linClrLst>
+    <dgm:effectClrLst/>
+    <dgm:txLinClrLst/>
+    <dgm:txFillClrLst meth="repeat">
+      <a:schemeClr val="dk1"/>
+    </dgm:txFillClrLst>
+    <dgm:txEffectClrLst/>
+  </dgm:styleLbl>
+  <dgm:styleLbl name="alignAcc1">
+    <dgm:fillClrLst meth="repeat">
+      <a:schemeClr val="lt1">
+        <a:alpha val="90000"/>
+      </a:schemeClr>
+    </dgm:fillClrLst>
+    <dgm:linClrLst meth="repeat">
+      <a:schemeClr val="accent1"/>
+    </dgm:linClrLst>
+    <dgm:effectClrLst/>
+    <dgm:txLinClrLst/>
+    <dgm:txFillClrLst meth="repeat">
+      <a:schemeClr val="dk1"/>
+    </dgm:txFillClrLst>
+    <dgm:txEffectClrLst/>
+  </dgm:styleLbl>
+  <dgm:styleLbl name="trAlignAcc1">
+    <dgm:fillClrLst meth="repeat">
+      <a:schemeClr val="lt1">
+        <a:alpha val="40000"/>
+      </a:schemeClr>
+    </dgm:fillClrLst>
+    <dgm:linClrLst meth="repeat">
+      <a:schemeClr val="accent1"/>
+    </dgm:linClrLst>
+    <dgm:effectClrLst/>
+    <dgm:txLinClrLst/>
+    <dgm:txFillClrLst meth="repeat">
+      <a:schemeClr val="dk1"/>
+    </dgm:txFillClrLst>
+    <dgm:txEffectClrLst/>
+  </dgm:styleLbl>
+  <dgm:styleLbl name="bgAcc1">
+    <dgm:fillClrLst meth="repeat">
+      <a:schemeClr val="lt1">
+        <a:alpha val="90000"/>
+      </a:schemeClr>
+    </dgm:fillClrLst>
+    <dgm:linClrLst meth="repeat">
+      <a:schemeClr val="accent1"/>
+    </dgm:linClrLst>
+    <dgm:effectClrLst/>
+    <dgm:txLinClrLst/>
+    <dgm:txFillClrLst meth="repeat">
+      <a:schemeClr val="dk1"/>
+    </dgm:txFillClrLst>
+    <dgm:txEffectClrLst/>
+  </dgm:styleLbl>
+  <dgm:styleLbl name="solidFgAcc1">
+    <dgm:fillClrLst meth="repeat">
+      <a:schemeClr val="lt1"/>
+    </dgm:fillClrLst>
+    <dgm:linClrLst meth="repeat">
+      <a:schemeClr val="accent1"/>
+    </dgm:linClrLst>
+    <dgm:effectClrLst/>
+    <dgm:txLinClrLst/>
+    <dgm:txFillClrLst meth="repeat">
+      <a:schemeClr val="dk1"/>
+    </dgm:txFillClrLst>
+    <dgm:txEffectClrLst/>
+  </dgm:styleLbl>
+  <dgm:styleLbl name="solidAlignAcc1">
+    <dgm:fillClrLst meth="repeat">
+      <a:schemeClr val="lt1"/>
+    </dgm:fillClrLst>
+    <dgm:linClrLst meth="repeat">
+      <a:schemeClr val="accent1"/>
+    </dgm:linClrLst>
+    <dgm:effectClrLst/>
+    <dgm:txLinClrLst/>
+    <dgm:txFillClrLst meth="repeat">
+      <a:schemeClr val="dk1"/>
+    </dgm:txFillClrLst>
+    <dgm:txEffectClrLst/>
+  </dgm:styleLbl>
+  <dgm:styleLbl name="solidBgAcc1">
+    <dgm:fillClrLst meth="repeat">
+      <a:schemeClr val="lt1"/>
+    </dgm:fillClrLst>
+    <dgm:linClrLst meth="repeat">
+      <a:schemeClr val="accent1"/>
+    </dgm:linClrLst>
+    <dgm:effectClrLst/>
+    <dgm:txLinClrLst/>
+    <dgm:txFillClrLst meth="repeat">
+      <a:schemeClr val="dk1"/>
+    </dgm:txFillClrLst>
+    <dgm:txEffectClrLst/>
+  </dgm:styleLbl>
+  <dgm:styleLbl name="fgAccFollowNode1">
+    <dgm:fillClrLst meth="repeat">
+      <a:schemeClr val="accent1">
+        <a:alpha val="90000"/>
+        <a:tint val="40000"/>
+      </a:schemeClr>
+    </dgm:fillClrLst>
+    <dgm:linClrLst meth="repeat">
+      <a:schemeClr val="accent1">
+        <a:alpha val="90000"/>
+        <a:tint val="40000"/>
+      </a:schemeClr>
+    </dgm:linClrLst>
+    <dgm:effectClrLst/>
+    <dgm:txLinClrLst/>
+    <dgm:txFillClrLst meth="repeat">
+      <a:schemeClr val="dk1"/>
+    </dgm:txFillClrLst>
+    <dgm:txEffectClrLst/>
+  </dgm:styleLbl>
+  <dgm:styleLbl name="alignAccFollowNode1">
+    <dgm:fillClrLst meth="repeat">
+      <a:schemeClr val="accent1">
+        <a:alpha val="90000"/>
+        <a:tint val="40000"/>
+      </a:schemeClr>
+    </dgm:fillClrLst>
+    <dgm:linClrLst meth="repeat">
+      <a:schemeClr val="accent1">
+        <a:alpha val="90000"/>
+        <a:tint val="40000"/>
+      </a:schemeClr>
+    </dgm:linClrLst>
+    <dgm:effectClrLst/>
+    <dgm:txLinClrLst/>
+    <dgm:txFillClrLst meth="repeat">
+      <a:schemeClr val="dk1"/>
+    </dgm:txFillClrLst>
+    <dgm:txEffectClrLst/>
+  </dgm:styleLbl>
+  <dgm:styleLbl name="bgAccFollowNode1">
+    <dgm:fillClrLst meth="repeat">
+      <a:schemeClr val="accent1">
+        <a:alpha val="90000"/>
+        <a:tint val="40000"/>
+      </a:schemeClr>
+    </dgm:fillClrLst>
+    <dgm:linClrLst meth="repeat">
+      <a:schemeClr val="accent1">
+        <a:alpha val="90000"/>
+        <a:tint val="40000"/>
+      </a:schemeClr>
+    </dgm:linClrLst>
+    <dgm:effectClrLst/>
+    <dgm:txLinClrLst/>
+    <dgm:txFillClrLst meth="repeat">
+      <a:schemeClr val="dk1"/>
+    </dgm:txFillClrLst>
+    <dgm:txEffectClrLst/>
+  </dgm:styleLbl>
+  <dgm:styleLbl name="fgAcc0">
+    <dgm:fillClrLst meth="repeat">
+      <a:schemeClr val="lt1">
+        <a:alpha val="90000"/>
+      </a:schemeClr>
+    </dgm:fillClrLst>
+    <dgm:linClrLst meth="repeat">
+      <a:schemeClr val="accent1"/>
+    </dgm:linClrLst>
+    <dgm:effectClrLst/>
+    <dgm:txLinClrLst/>
+    <dgm:txFillClrLst meth="repeat">
+      <a:schemeClr val="dk1"/>
+    </dgm:txFillClrLst>
+    <dgm:txEffectClrLst/>
+  </dgm:styleLbl>
+  <dgm:styleLbl name="fgAcc2">
+    <dgm:fillClrLst meth="repeat">
+      <a:schemeClr val="lt1">
+        <a:alpha val="90000"/>
+      </a:schemeClr>
+    </dgm:fillClrLst>
+    <dgm:linClrLst meth="repeat">
+      <a:schemeClr val="accent1"/>
+    </dgm:linClrLst>
+    <dgm:effectClrLst/>
+    <dgm:txLinClrLst/>
+    <dgm:txFillClrLst meth="repeat">
+      <a:schemeClr val="dk1"/>
+    </dgm:txFillClrLst>
+    <dgm:txEffectClrLst/>
+  </dgm:styleLbl>
+  <dgm:styleLbl name="fgAcc3">
+    <dgm:fillClrLst meth="repeat">
+      <a:schemeClr val="lt1">
+        <a:alpha val="90000"/>
+      </a:schemeClr>
+    </dgm:fillClrLst>
+    <dgm:linClrLst meth="repeat">
+      <a:schemeClr val="accent1"/>
+    </dgm:linClrLst>
+    <dgm:effectClrLst/>
+    <dgm:txLinClrLst/>
+    <dgm:txFillClrLst meth="repeat">
+      <a:schemeClr val="dk1"/>
+    </dgm:txFillClrLst>
+    <dgm:txEffectClrLst/>
+  </dgm:styleLbl>
+  <dgm:styleLbl name="fgAcc4">
+    <dgm:fillClrLst meth="repeat">
+      <a:schemeClr val="lt1">
+        <a:alpha val="90000"/>
+      </a:schemeClr>
+    </dgm:fillClrLst>
+    <dgm:linClrLst meth="repeat">
+      <a:schemeClr val="accent1"/>
+    </dgm:linClrLst>
+    <dgm:effectClrLst/>
+    <dgm:txLinClrLst/>
+    <dgm:txFillClrLst meth="repeat">
+      <a:schemeClr val="dk1"/>
+    </dgm:txFillClrLst>
+    <dgm:txEffectClrLst/>
+  </dgm:styleLbl>
+  <dgm:styleLbl name="bgShp">
+    <dgm:fillClrLst meth="repeat">
+      <a:schemeClr val="accent1">
+        <a:tint val="40000"/>
+      </a:schemeClr>
+    </dgm:fillClrLst>
+    <dgm:linClrLst meth="repeat">
+      <a:schemeClr val="accent1"/>
+    </dgm:linClrLst>
+    <dgm:effectClrLst/>
+    <dgm:txLinClrLst/>
+    <dgm:txFillClrLst meth="repeat">
+      <a:schemeClr val="dk1"/>
+    </dgm:txFillClrLst>
+    <dgm:txEffectClrLst/>
+  </dgm:styleLbl>
+  <dgm:styleLbl name="dkBgShp">
+    <dgm:fillClrLst meth="repeat">
+      <a:schemeClr val="accent1">
+        <a:shade val="80000"/>
+      </a:schemeClr>
+    </dgm:fillClrLst>
+    <dgm:linClrLst meth="repeat">
+      <a:schemeClr val="accent1"/>
+    </dgm:linClrLst>
+    <dgm:effectClrLst/>
+    <dgm:txLinClrLst/>
+    <dgm:txFillClrLst meth="repeat">
+      <a:schemeClr val="lt1"/>
+    </dgm:txFillClrLst>
+    <dgm:txEffectClrLst/>
+  </dgm:styleLbl>
+  <dgm:styleLbl name="trBgShp">
+    <dgm:fillClrLst meth="repeat">
+      <a:schemeClr val="accent1">
+        <a:tint val="50000"/>
+        <a:alpha val="40000"/>
+      </a:schemeClr>
+    </dgm:fillClrLst>
+    <dgm:linClrLst meth="repeat">
+      <a:schemeClr val="accent1"/>
+    </dgm:linClrLst>
+    <dgm:effectClrLst/>
+    <dgm:txLinClrLst/>
+    <dgm:txFillClrLst meth="repeat">
+      <a:schemeClr val="lt1"/>
+    </dgm:txFillClrLst>
+    <dgm:txEffectClrLst/>
+  </dgm:styleLbl>
+  <dgm:styleLbl name="fgShp">
+    <dgm:fillClrLst meth="repeat">
+      <a:schemeClr val="accent1">
+        <a:tint val="60000"/>
+      </a:schemeClr>
+    </dgm:fillClrLst>
+    <dgm:linClrLst meth="repeat">
+      <a:schemeClr val="lt1"/>
+    </dgm:linClrLst>
+    <dgm:effectClrLst/>
+    <dgm:txLinClrLst/>
+    <dgm:txFillClrLst meth="repeat">
+      <a:schemeClr val="dk1"/>
+    </dgm:txFillClrLst>
+    <dgm:txEffectClrLst/>
+  </dgm:styleLbl>
+  <dgm:styleLbl name="revTx">
+    <dgm:fillClrLst meth="repeat">
+      <a:schemeClr val="lt1">
+        <a:alpha val="0"/>
+      </a:schemeClr>
+    </dgm:fillClrLst>
+    <dgm:linClrLst meth="repeat">
+      <a:schemeClr val="dk1">
+        <a:alpha val="0"/>
+      </a:schemeClr>
+    </dgm:linClrLst>
+    <dgm:effectClrLst/>
+    <dgm:txLinClrLst/>
+    <dgm:txFillClrLst meth="repeat">
+      <a:schemeClr val="tx1"/>
+    </dgm:txFillClrLst>
+    <dgm:txEffectClrLst/>
+  </dgm:styleLbl>
+</dgm:colorsDef>
+</file>
+
+<file path=ppt/diagrams/data1.xml><?xml version="1.0" encoding="utf-8"?>
+<dgm:dataModel xmlns:dgm="http://schemas.openxmlformats.org/drawingml/2006/diagram" xmlns:a="http://schemas.openxmlformats.org/drawingml/2006/main">
+  <dgm:ptLst>
+    <dgm:pt modelId="{0C246980-BEEF-4B9E-B2B6-4657531C0301}" type="doc">
+      <dgm:prSet loTypeId="urn:microsoft.com/office/officeart/2005/8/layout/arrow1" loCatId="relationship" qsTypeId="urn:microsoft.com/office/officeart/2005/8/quickstyle/simple1" qsCatId="simple" csTypeId="urn:microsoft.com/office/officeart/2005/8/colors/accent1_2" csCatId="accent1" phldr="1"/>
+      <dgm:spPr/>
+      <dgm:t>
+        <a:bodyPr/>
+        <a:lstStyle/>
+        <a:p>
+          <a:endParaRPr lang="en-IN"/>
+        </a:p>
+      </dgm:t>
+    </dgm:pt>
+    <dgm:pt modelId="{42EFB51B-9108-434A-B4D2-44A4168E63E0}">
+      <dgm:prSet phldrT="[Text]"/>
+      <dgm:spPr/>
+      <dgm:t>
+        <a:bodyPr/>
+        <a:lstStyle/>
+        <a:p>
+          <a:r>
+            <a:rPr lang="en-IN" dirty="0"/>
+            <a:t>Physical</a:t>
+          </a:r>
+        </a:p>
+      </dgm:t>
+    </dgm:pt>
+    <dgm:pt modelId="{F9E55F95-CD97-46C3-A72E-813988103DC7}" type="parTrans" cxnId="{6842501F-A800-4E7C-877F-7D5B3B919DB1}">
+      <dgm:prSet/>
+      <dgm:spPr/>
+      <dgm:t>
+        <a:bodyPr/>
+        <a:lstStyle/>
+        <a:p>
+          <a:endParaRPr lang="en-IN"/>
+        </a:p>
+      </dgm:t>
+    </dgm:pt>
+    <dgm:pt modelId="{8DF47831-D3DE-41AF-A2DA-376E9BD18F0A}" type="sibTrans" cxnId="{6842501F-A800-4E7C-877F-7D5B3B919DB1}">
+      <dgm:prSet/>
+      <dgm:spPr/>
+      <dgm:t>
+        <a:bodyPr/>
+        <a:lstStyle/>
+        <a:p>
+          <a:endParaRPr lang="en-IN"/>
+        </a:p>
+      </dgm:t>
+    </dgm:pt>
+    <dgm:pt modelId="{496D6B8E-F601-4E80-8BE7-221F8AC08E2D}">
+      <dgm:prSet phldrT="[Text]"/>
+      <dgm:spPr/>
+      <dgm:t>
+        <a:bodyPr/>
+        <a:lstStyle/>
+        <a:p>
+          <a:r>
+            <a:rPr lang="en-IN" dirty="0"/>
+            <a:t>Chemical</a:t>
+          </a:r>
+        </a:p>
+      </dgm:t>
+    </dgm:pt>
+    <dgm:pt modelId="{2274AAAA-D54B-4C62-A5D0-90919CEDBB22}" type="parTrans" cxnId="{BE6E98AC-CE3B-4485-9572-6DA5EADC8453}">
+      <dgm:prSet/>
+      <dgm:spPr/>
+      <dgm:t>
+        <a:bodyPr/>
+        <a:lstStyle/>
+        <a:p>
+          <a:endParaRPr lang="en-IN"/>
+        </a:p>
+      </dgm:t>
+    </dgm:pt>
+    <dgm:pt modelId="{26C60D88-7209-4040-A7AA-358E66C59707}" type="sibTrans" cxnId="{BE6E98AC-CE3B-4485-9572-6DA5EADC8453}">
+      <dgm:prSet/>
+      <dgm:spPr/>
+      <dgm:t>
+        <a:bodyPr/>
+        <a:lstStyle/>
+        <a:p>
+          <a:endParaRPr lang="en-IN"/>
+        </a:p>
+      </dgm:t>
+    </dgm:pt>
+    <dgm:pt modelId="{846C0DFF-EF7F-445E-804B-B9F9F23AC07C}" type="pres">
+      <dgm:prSet presAssocID="{0C246980-BEEF-4B9E-B2B6-4657531C0301}" presName="cycle" presStyleCnt="0">
+        <dgm:presLayoutVars>
+          <dgm:dir/>
+          <dgm:resizeHandles val="exact"/>
+        </dgm:presLayoutVars>
+      </dgm:prSet>
+      <dgm:spPr/>
+    </dgm:pt>
+    <dgm:pt modelId="{93D44839-47E2-48D2-A036-F7E4AE50AD4D}" type="pres">
+      <dgm:prSet presAssocID="{42EFB51B-9108-434A-B4D2-44A4168E63E0}" presName="arrow" presStyleLbl="node1" presStyleIdx="0" presStyleCnt="2">
+        <dgm:presLayoutVars>
+          <dgm:bulletEnabled val="1"/>
+        </dgm:presLayoutVars>
+      </dgm:prSet>
+      <dgm:spPr/>
+    </dgm:pt>
+    <dgm:pt modelId="{7EA439AA-99C9-481D-A049-87397BAFB0B8}" type="pres">
+      <dgm:prSet presAssocID="{496D6B8E-F601-4E80-8BE7-221F8AC08E2D}" presName="arrow" presStyleLbl="node1" presStyleIdx="1" presStyleCnt="2">
+        <dgm:presLayoutVars>
+          <dgm:bulletEnabled val="1"/>
+        </dgm:presLayoutVars>
+      </dgm:prSet>
+      <dgm:spPr/>
+    </dgm:pt>
+  </dgm:ptLst>
+  <dgm:cxnLst>
+    <dgm:cxn modelId="{6842501F-A800-4E7C-877F-7D5B3B919DB1}" srcId="{0C246980-BEEF-4B9E-B2B6-4657531C0301}" destId="{42EFB51B-9108-434A-B4D2-44A4168E63E0}" srcOrd="0" destOrd="0" parTransId="{F9E55F95-CD97-46C3-A72E-813988103DC7}" sibTransId="{8DF47831-D3DE-41AF-A2DA-376E9BD18F0A}"/>
+    <dgm:cxn modelId="{CE31B26C-A823-4493-8224-99BDBE8B302D}" type="presOf" srcId="{0C246980-BEEF-4B9E-B2B6-4657531C0301}" destId="{846C0DFF-EF7F-445E-804B-B9F9F23AC07C}" srcOrd="0" destOrd="0" presId="urn:microsoft.com/office/officeart/2005/8/layout/arrow1"/>
+    <dgm:cxn modelId="{28D3C97D-6B55-4635-8103-AE71B86611AC}" type="presOf" srcId="{496D6B8E-F601-4E80-8BE7-221F8AC08E2D}" destId="{7EA439AA-99C9-481D-A049-87397BAFB0B8}" srcOrd="0" destOrd="0" presId="urn:microsoft.com/office/officeart/2005/8/layout/arrow1"/>
+    <dgm:cxn modelId="{BE6E98AC-CE3B-4485-9572-6DA5EADC8453}" srcId="{0C246980-BEEF-4B9E-B2B6-4657531C0301}" destId="{496D6B8E-F601-4E80-8BE7-221F8AC08E2D}" srcOrd="1" destOrd="0" parTransId="{2274AAAA-D54B-4C62-A5D0-90919CEDBB22}" sibTransId="{26C60D88-7209-4040-A7AA-358E66C59707}"/>
+    <dgm:cxn modelId="{D45FB7EA-D5AF-4ADE-A7A2-B865D1C6D521}" type="presOf" srcId="{42EFB51B-9108-434A-B4D2-44A4168E63E0}" destId="{93D44839-47E2-48D2-A036-F7E4AE50AD4D}" srcOrd="0" destOrd="0" presId="urn:microsoft.com/office/officeart/2005/8/layout/arrow1"/>
+    <dgm:cxn modelId="{5C31F191-5818-43C4-8C5C-B8247492D653}" type="presParOf" srcId="{846C0DFF-EF7F-445E-804B-B9F9F23AC07C}" destId="{93D44839-47E2-48D2-A036-F7E4AE50AD4D}" srcOrd="0" destOrd="0" presId="urn:microsoft.com/office/officeart/2005/8/layout/arrow1"/>
+    <dgm:cxn modelId="{8AFE53F3-E5C3-44F6-9CD5-C682DC1DD2A4}" type="presParOf" srcId="{846C0DFF-EF7F-445E-804B-B9F9F23AC07C}" destId="{7EA439AA-99C9-481D-A049-87397BAFB0B8}" srcOrd="1" destOrd="0" presId="urn:microsoft.com/office/officeart/2005/8/layout/arrow1"/>
+  </dgm:cxnLst>
+  <dgm:bg/>
+  <dgm:whole/>
+  <dgm:extLst>
+    <a:ext uri="http://schemas.microsoft.com/office/drawing/2008/diagram">
+      <dsp:dataModelExt xmlns:dsp="http://schemas.microsoft.com/office/drawing/2008/diagram" relId="rId6" minVer="http://schemas.openxmlformats.org/drawingml/2006/diagram"/>
+    </a:ext>
+  </dgm:extLst>
+</dgm:dataModel>
+</file>
+
+<file path=ppt/diagrams/drawing1.xml><?xml version="1.0" encoding="utf-8"?>
+<dsp:drawing xmlns:dgm="http://schemas.openxmlformats.org/drawingml/2006/diagram" xmlns:dsp="http://schemas.microsoft.com/office/drawing/2008/diagram" xmlns:a="http://schemas.openxmlformats.org/drawingml/2006/main">
+  <dsp:spTree>
+    <dsp:nvGrpSpPr>
+      <dsp:cNvPr id="0" name=""/>
+      <dsp:cNvGrpSpPr/>
+    </dsp:nvGrpSpPr>
+    <dsp:grpSpPr/>
+    <dsp:sp modelId="{93D44839-47E2-48D2-A036-F7E4AE50AD4D}">
+      <dsp:nvSpPr>
+        <dsp:cNvPr id="0" name=""/>
+        <dsp:cNvSpPr/>
+      </dsp:nvSpPr>
+      <dsp:spPr>
+        <a:xfrm rot="16200000">
+          <a:off x="263" y="429560"/>
+          <a:ext cx="3022315" cy="3022315"/>
+        </a:xfrm>
+        <a:prstGeom prst="upArrow">
+          <a:avLst>
+            <a:gd name="adj1" fmla="val 50000"/>
+            <a:gd name="adj2" fmla="val 35000"/>
+          </a:avLst>
+        </a:prstGeom>
+        <a:solidFill>
+          <a:schemeClr val="accent1">
+            <a:hueOff val="0"/>
+            <a:satOff val="0"/>
+            <a:lumOff val="0"/>
+            <a:alphaOff val="0"/>
+          </a:schemeClr>
+        </a:solidFill>
+        <a:ln w="19050" cap="rnd" cmpd="sng" algn="ctr">
+          <a:solidFill>
+            <a:schemeClr val="lt1">
+              <a:hueOff val="0"/>
+              <a:satOff val="0"/>
+              <a:lumOff val="0"/>
+              <a:alphaOff val="0"/>
+            </a:schemeClr>
+          </a:solidFill>
+          <a:prstDash val="solid"/>
+        </a:ln>
+        <a:effectLst/>
+      </dsp:spPr>
+      <dsp:style>
+        <a:lnRef idx="2">
+          <a:scrgbClr r="0" g="0" b="0"/>
+        </a:lnRef>
+        <a:fillRef idx="1">
+          <a:scrgbClr r="0" g="0" b="0"/>
+        </a:fillRef>
+        <a:effectRef idx="0">
+          <a:scrgbClr r="0" g="0" b="0"/>
+        </a:effectRef>
+        <a:fontRef idx="minor">
+          <a:schemeClr val="lt1"/>
+        </a:fontRef>
+      </dsp:style>
+      <dsp:txBody>
+        <a:bodyPr spcFirstLastPara="0" vert="horz" wrap="square" lIns="263144" tIns="263144" rIns="263144" bIns="263144" numCol="1" spcCol="1270" anchor="ctr" anchorCtr="0">
+          <a:noAutofit/>
+        </a:bodyPr>
+        <a:lstStyle/>
+        <a:p>
+          <a:pPr marL="0" lvl="0" indent="0" algn="ctr" defTabSz="1644650">
+            <a:lnSpc>
+              <a:spcPct val="90000"/>
+            </a:lnSpc>
+            <a:spcBef>
+              <a:spcPct val="0"/>
+            </a:spcBef>
+            <a:spcAft>
+              <a:spcPct val="35000"/>
+            </a:spcAft>
+            <a:buNone/>
+          </a:pPr>
+          <a:r>
+            <a:rPr lang="en-IN" sz="3700" kern="1200" dirty="0"/>
+            <a:t>Physical</a:t>
+          </a:r>
+        </a:p>
+      </dsp:txBody>
+      <dsp:txXfrm rot="5400000">
+        <a:off x="529169" y="1185138"/>
+        <a:ext cx="2493410" cy="1511157"/>
+      </dsp:txXfrm>
+    </dsp:sp>
+    <dsp:sp modelId="{7EA439AA-99C9-481D-A049-87397BAFB0B8}">
+      <dsp:nvSpPr>
+        <dsp:cNvPr id="0" name=""/>
+        <dsp:cNvSpPr/>
+      </dsp:nvSpPr>
+      <dsp:spPr>
+        <a:xfrm rot="5400000">
+          <a:off x="3325833" y="429560"/>
+          <a:ext cx="3022315" cy="3022315"/>
+        </a:xfrm>
+        <a:prstGeom prst="upArrow">
+          <a:avLst>
+            <a:gd name="adj1" fmla="val 50000"/>
+            <a:gd name="adj2" fmla="val 35000"/>
+          </a:avLst>
+        </a:prstGeom>
+        <a:solidFill>
+          <a:schemeClr val="accent1">
+            <a:hueOff val="0"/>
+            <a:satOff val="0"/>
+            <a:lumOff val="0"/>
+            <a:alphaOff val="0"/>
+          </a:schemeClr>
+        </a:solidFill>
+        <a:ln w="19050" cap="rnd" cmpd="sng" algn="ctr">
+          <a:solidFill>
+            <a:schemeClr val="lt1">
+              <a:hueOff val="0"/>
+              <a:satOff val="0"/>
+              <a:lumOff val="0"/>
+              <a:alphaOff val="0"/>
+            </a:schemeClr>
+          </a:solidFill>
+          <a:prstDash val="solid"/>
+        </a:ln>
+        <a:effectLst/>
+      </dsp:spPr>
+      <dsp:style>
+        <a:lnRef idx="2">
+          <a:scrgbClr r="0" g="0" b="0"/>
+        </a:lnRef>
+        <a:fillRef idx="1">
+          <a:scrgbClr r="0" g="0" b="0"/>
+        </a:fillRef>
+        <a:effectRef idx="0">
+          <a:scrgbClr r="0" g="0" b="0"/>
+        </a:effectRef>
+        <a:fontRef idx="minor">
+          <a:schemeClr val="lt1"/>
+        </a:fontRef>
+      </dsp:style>
+      <dsp:txBody>
+        <a:bodyPr spcFirstLastPara="0" vert="horz" wrap="square" lIns="263144" tIns="263144" rIns="263144" bIns="263144" numCol="1" spcCol="1270" anchor="ctr" anchorCtr="0">
+          <a:noAutofit/>
+        </a:bodyPr>
+        <a:lstStyle/>
+        <a:p>
+          <a:pPr marL="0" lvl="0" indent="0" algn="ctr" defTabSz="1644650">
+            <a:lnSpc>
+              <a:spcPct val="90000"/>
+            </a:lnSpc>
+            <a:spcBef>
+              <a:spcPct val="0"/>
+            </a:spcBef>
+            <a:spcAft>
+              <a:spcPct val="35000"/>
+            </a:spcAft>
+            <a:buNone/>
+          </a:pPr>
+          <a:r>
+            <a:rPr lang="en-IN" sz="3700" kern="1200" dirty="0"/>
+            <a:t>Chemical</a:t>
+          </a:r>
+        </a:p>
+      </dsp:txBody>
+      <dsp:txXfrm rot="-5400000">
+        <a:off x="3325834" y="1185139"/>
+        <a:ext cx="2493410" cy="1511157"/>
+      </dsp:txXfrm>
+    </dsp:sp>
+  </dsp:spTree>
+</dsp:drawing>
+</file>
+
+<file path=ppt/diagrams/layout1.xml><?xml version="1.0" encoding="utf-8"?>
+<dgm:layoutDef xmlns:dgm="http://schemas.openxmlformats.org/drawingml/2006/diagram" xmlns:a="http://schemas.openxmlformats.org/drawingml/2006/main" uniqueId="urn:microsoft.com/office/officeart/2005/8/layout/arrow1">
+  <dgm:title val=""/>
+  <dgm:desc val=""/>
+  <dgm:catLst>
+    <dgm:cat type="relationship" pri="7000"/>
+    <dgm:cat type="process" pri="32000"/>
+  </dgm:catLst>
+  <dgm:sampData>
+    <dgm:dataModel>
+      <dgm:ptLst>
+        <dgm:pt modelId="0" type="doc"/>
+        <dgm:pt modelId="1">
+          <dgm:prSet phldr="1"/>
+        </dgm:pt>
+        <dgm:pt modelId="2">
+          <dgm:prSet phldr="1"/>
+        </dgm:pt>
+      </dgm:ptLst>
+      <dgm:cxnLst>
+        <dgm:cxn modelId="4" srcId="0" destId="1" srcOrd="0" destOrd="0"/>
+        <dgm:cxn modelId="5" srcId="0" destId="2" srcOrd="1" destOrd="0"/>
+      </dgm:cxnLst>
+      <dgm:bg/>
+      <dgm:whole/>
+    </dgm:dataModel>
+  </dgm:sampData>
+  <dgm:styleData>
+    <dgm:dataModel>
+      <dgm:ptLst>
+        <dgm:pt modelId="0" type="doc"/>
+        <dgm:pt modelId="1"/>
+        <dgm:pt modelId="2"/>
+      </dgm:ptLst>
+      <dgm:cxnLst>
+        <dgm:cxn modelId="3" srcId="0" destId="1" srcOrd="0" destOrd="0"/>
+        <dgm:cxn modelId="4" srcId="0" destId="2" srcOrd="1" destOrd="0"/>
+      </dgm:cxnLst>
+      <dgm:bg/>
+      <dgm:whole/>
+    </dgm:dataModel>
+  </dgm:styleData>
+  <dgm:clrData>
+    <dgm:dataModel>
+      <dgm:ptLst>
+        <dgm:pt modelId="0" type="doc"/>
+        <dgm:pt modelId="1"/>
+        <dgm:pt modelId="2"/>
+        <dgm:pt modelId="3"/>
+        <dgm:pt modelId="4"/>
+      </dgm:ptLst>
+      <dgm:cxnLst>
+        <dgm:cxn modelId="5" srcId="0" destId="1" srcOrd="0" destOrd="0"/>
+        <dgm:cxn modelId="6" srcId="0" destId="2" srcOrd="1" destOrd="0"/>
+        <dgm:cxn modelId="7" srcId="0" destId="3" srcOrd="2" destOrd="0"/>
+        <dgm:cxn modelId="8" srcId="0" destId="4" srcOrd="3" destOrd="0"/>
+      </dgm:cxnLst>
+      <dgm:bg/>
+      <dgm:whole/>
+    </dgm:dataModel>
+  </dgm:clrData>
+  <dgm:layoutNode name="cycle">
+    <dgm:varLst>
+      <dgm:dir/>
+      <dgm:resizeHandles val="exact"/>
+    </dgm:varLst>
+    <dgm:choose name="Name0">
+      <dgm:if name="Name1" axis="ch" ptType="node" func="cnt" op="equ" val="2">
+        <dgm:choose name="Name2">
+          <dgm:if name="Name3" func="var" arg="dir" op="equ" val="norm">
+            <dgm:alg type="cycle">
+              <dgm:param type="rotPath" val="alongPath"/>
+              <dgm:param type="stAng" val="270"/>
+            </dgm:alg>
+          </dgm:if>
+          <dgm:else name="Name4">
+            <dgm:alg type="cycle">
+              <dgm:param type="rotPath" val="alongPath"/>
+              <dgm:param type="stAng" val="90"/>
+              <dgm:param type="spanAng" val="-360"/>
+            </dgm:alg>
+          </dgm:else>
+        </dgm:choose>
+      </dgm:if>
+      <dgm:else name="Name5">
+        <dgm:choose name="Name6">
+          <dgm:if name="Name7" func="var" arg="dir" op="equ" val="norm">
+            <dgm:alg type="cycle">
+              <dgm:param type="rotPath" val="alongPath"/>
+            </dgm:alg>
+          </dgm:if>
+          <dgm:else name="Name8">
+            <dgm:alg type="cycle">
+              <dgm:param type="rotPath" val="alongPath"/>
+              <dgm:param type="spanAng" val="-360"/>
+            </dgm:alg>
+          </dgm:else>
+        </dgm:choose>
+      </dgm:else>
+    </dgm:choose>
+    <dgm:shape xmlns:r="http://schemas.openxmlformats.org/officeDocument/2006/relationships" r:blip="">
+      <dgm:adjLst/>
+    </dgm:shape>
+    <dgm:presOf/>
+    <dgm:choose name="Name9">
+      <dgm:if name="Name10" axis="ch" ptType="node" func="cnt" op="equ" val="2">
+        <dgm:constrLst>
+          <dgm:constr type="primFontSz" for="ch" ptType="node" op="equ" val="65"/>
+          <dgm:constr type="w" for="ch" ptType="node" refType="w"/>
+          <dgm:constr type="h" for="ch" ptType="node" refType="w" refFor="ch" refPtType="node"/>
+          <dgm:constr type="sibSp" refType="w" refFor="ch" refPtType="node" fact="0.1"/>
+          <dgm:constr type="diam" refType="w" refFor="ch" refPtType="node" fact="1.1"/>
+        </dgm:constrLst>
+      </dgm:if>
+      <dgm:if name="Name11" axis="ch" ptType="node" func="cnt" op="equ" val="5">
+        <dgm:constrLst>
+          <dgm:constr type="primFontSz" for="ch" ptType="node" op="equ" val="65"/>
+          <dgm:constr type="w" for="ch" ptType="node" refType="w"/>
+          <dgm:constr type="h" for="ch" ptType="node" refType="w" refFor="ch" refPtType="node"/>
+          <dgm:constr type="sibSp" refType="w" refFor="ch" refPtType="node" fact="-0.24"/>
+        </dgm:constrLst>
+      </dgm:if>
+      <dgm:if name="Name12" axis="ch" ptType="node" func="cnt" op="equ" val="6">
+        <dgm:constrLst>
+          <dgm:constr type="primFontSz" for="ch" ptType="node" op="equ" val="65"/>
+          <dgm:constr type="w" for="ch" ptType="node" refType="w"/>
+          <dgm:constr type="h" for="ch" ptType="node" refType="w" refFor="ch" refPtType="node"/>
+          <dgm:constr type="sibSp" refType="w" refFor="ch" refPtType="node" fact="-0.2"/>
+        </dgm:constrLst>
+      </dgm:if>
+      <dgm:if name="Name13" axis="ch" ptType="node" func="cnt" op="equ" val="8">
+        <dgm:constrLst>
+          <dgm:constr type="primFontSz" for="ch" ptType="node" op="equ" val="65"/>
+          <dgm:constr type="w" for="ch" ptType="node" refType="w"/>
+          <dgm:constr type="h" for="ch" ptType="node" refType="w" refFor="ch" refPtType="node"/>
+          <dgm:constr type="sibSp" refType="w" refFor="ch" refPtType="node" fact="-0.15"/>
+        </dgm:constrLst>
+      </dgm:if>
+      <dgm:if name="Name14" axis="ch" ptType="node" func="cnt" op="equ" val="10">
+        <dgm:constrLst>
+          <dgm:constr type="primFontSz" for="ch" ptType="node" op="lte" val="65"/>
+          <dgm:constr type="w" for="ch" ptType="node" refType="w"/>
+          <dgm:constr type="h" for="ch" ptType="node" refType="w" refFor="ch" refPtType="node"/>
+          <dgm:constr type="sibSp" refType="w" refFor="ch" refPtType="node" fact="-0.24"/>
+        </dgm:constrLst>
+      </dgm:if>
+      <dgm:else name="Name15">
+        <dgm:constrLst>
+          <dgm:constr type="primFontSz" for="ch" ptType="node" op="equ" val="65"/>
+          <dgm:constr type="w" for="ch" ptType="node" refType="w"/>
+          <dgm:constr type="h" for="ch" ptType="node" refType="w" refFor="ch" refPtType="node"/>
+          <dgm:constr type="sibSp" refType="w" refFor="ch" refPtType="node" fact="-0.35"/>
+        </dgm:constrLst>
+      </dgm:else>
+    </dgm:choose>
+    <dgm:ruleLst/>
+    <dgm:forEach name="Name16" axis="ch" ptType="node">
+      <dgm:layoutNode name="arrow">
+        <dgm:varLst>
+          <dgm:bulletEnabled val="1"/>
+        </dgm:varLst>
+        <dgm:alg type="tx"/>
+        <dgm:shape xmlns:r="http://schemas.openxmlformats.org/officeDocument/2006/relationships" type="upArrow" r:blip="">
+          <dgm:adjLst>
+            <dgm:adj idx="2" val="0.35"/>
+          </dgm:adjLst>
+        </dgm:shape>
+        <dgm:presOf axis="desOrSelf" ptType="node"/>
+        <dgm:constrLst/>
+        <dgm:ruleLst>
+          <dgm:rule type="primFontSz" val="5" fact="NaN" max="NaN"/>
+        </dgm:ruleLst>
+      </dgm:layoutNode>
+    </dgm:forEach>
+  </dgm:layoutNode>
+</dgm:layoutDef>
+</file>
+
+<file path=ppt/diagrams/quickStyle1.xml><?xml version="1.0" encoding="utf-8"?>
+<dgm:styleDef xmlns:dgm="http://schemas.openxmlformats.org/drawingml/2006/diagram" xmlns:a="http://schemas.openxmlformats.org/drawingml/2006/main" uniqueId="urn:microsoft.com/office/officeart/2005/8/quickstyle/simple1">
+  <dgm:title val=""/>
+  <dgm:desc val=""/>
+  <dgm:catLst>
+    <dgm:cat type="simple" pri="10100"/>
+  </dgm:catLst>
+  <dgm:scene3d>
+    <a:camera prst="orthographicFront"/>
+    <a:lightRig rig="threePt" dir="t"/>
+  </dgm:scene3d>
+  <dgm:styleLbl name="node0">
+    <dgm:scene3d>
+      <a:camera prst="orthographicFront"/>
+      <a:lightRig rig="threePt" dir="t"/>
+    </dgm:scene3d>
+    <dgm:sp3d/>
+    <dgm:txPr/>
+    <dgm:style>
+      <a:lnRef idx="2">
+        <a:scrgbClr r="0" g="0" b="0"/>
+      </a:lnRef>
+      <a:fillRef idx="1">
+        <a:scrgbClr r="0" g="0" b="0"/>
+      </a:fillRef>
+      <a:effectRef idx="0">
+        <a:scrgbClr r="0" g="0" b="0"/>
+      </a:effectRef>
+      <a:fontRef idx="minor">
+        <a:schemeClr val="lt1"/>
+      </a:fontRef>
+    </dgm:style>
+  </dgm:styleLbl>
+  <dgm:styleLbl name="lnNode1">
+    <dgm:scene3d>
+      <a:camera prst="orthographicFront"/>
+      <a:lightRig rig="threePt" dir="t"/>
+    </dgm:scene3d>
+    <dgm:sp3d/>
+    <dgm:txPr/>
+    <dgm:style>
+      <a:lnRef idx="2">
+        <a:scrgbClr r="0" g="0" b="0"/>
+      </a:lnRef>
+      <a:fillRef idx="1">
+        <a:scrgbClr r="0" g="0" b="0"/>
+      </a:fillRef>
+      <a:effectRef idx="0">
+        <a:scrgbClr r="0" g="0" b="0"/>
+      </a:effectRef>
+      <a:fontRef idx="minor">
+        <a:schemeClr val="lt1"/>
+      </a:fontRef>
+    </dgm:style>
+  </dgm:styleLbl>
+  <dgm:styleLbl name="vennNode1">
+    <dgm:scene3d>
+      <a:camera prst="orthographicFront"/>
+      <a:lightRig rig="threePt" dir="t"/>
+    </dgm:scene3d>
+    <dgm:sp3d/>
+    <dgm:txPr/>
+    <dgm:style>
+      <a:lnRef idx="2">
+        <a:scrgbClr r="0" g="0" b="0"/>
+      </a:lnRef>
+      <a:fillRef idx="1">
+        <a:scrgbClr r="0" g="0" b="0"/>
+      </a:fillRef>
+      <a:effectRef idx="0">
+        <a:scrgbClr r="0" g="0" b="0"/>
+      </a:effectRef>
+      <a:fontRef idx="minor">
+        <a:schemeClr val="tx1"/>
+      </a:fontRef>
+    </dgm:style>
+  </dgm:styleLbl>
+  <dgm:styleLbl name="alignNode1">
+    <dgm:scene3d>
+      <a:camera prst="orthographicFront"/>
+      <a:lightRig rig="threePt" dir="t"/>
+    </dgm:scene3d>
+    <dgm:sp3d/>
+    <dgm:txPr/>
+    <dgm:style>
+      <a:lnRef idx="2">
+        <a:scrgbClr r="0" g="0" b="0"/>
+      </a:lnRef>
+      <a:fillRef idx="1">
+        <a:scrgbClr r="0" g="0" b="0"/>
+      </a:fillRef>
+      <a:effectRef idx="0">
+        <a:scrgbClr r="0" g="0" b="0"/>
+      </a:effectRef>
+      <a:fontRef idx="minor">
+        <a:schemeClr val="lt1"/>
+      </a:fontRef>
+    </dgm:style>
+  </dgm:styleLbl>
+  <dgm:styleLbl name="node1">
+    <dgm:scene3d>
+      <a:camera prst="orthographicFront"/>
+      <a:lightRig rig="threePt" dir="t"/>
+    </dgm:scene3d>
+    <dgm:sp3d/>
+    <dgm:txPr/>
+    <dgm:style>
+      <a:lnRef idx="2">
+        <a:scrgbClr r="0" g="0" b="0"/>
+      </a:lnRef>
+      <a:fillRef idx="1">
+        <a:scrgbClr r="0" g="0" b="0"/>
+      </a:fillRef>
+      <a:effectRef idx="0">
+        <a:scrgbClr r="0" g="0" b="0"/>
+      </a:effectRef>
+      <a:fontRef idx="minor">
+        <a:schemeClr val="lt1"/>
+      </a:fontRef>
+    </dgm:style>
+  </dgm:styleLbl>
+  <dgm:styleLbl name="node2">
+    <dgm:scene3d>
+      <a:camera prst="orthographicFront"/>
+      <a:lightRig rig="threePt" dir="t"/>
+    </dgm:scene3d>
+    <dgm:sp3d/>
+    <dgm:txPr/>
+    <dgm:style>
+      <a:lnRef idx="2">
+        <a:scrgbClr r="0" g="0" b="0"/>
+      </a:lnRef>
+      <a:fillRef idx="1">
+        <a:scrgbClr r="0" g="0" b="0"/>
+      </a:fillRef>
+      <a:effectRef idx="0">
+        <a:scrgbClr r="0" g="0" b="0"/>
+      </a:effectRef>
+      <a:fontRef idx="minor">
+        <a:schemeClr val="lt1"/>
+      </a:fontRef>
+    </dgm:style>
+  </dgm:styleLbl>
+  <dgm:styleLbl name="node3">
+    <dgm:scene3d>
+      <a:camera prst="orthographicFront"/>
+      <a:lightRig rig="threePt" dir="t"/>
+    </dgm:scene3d>
+    <dgm:sp3d/>
+    <dgm:txPr/>
+    <dgm:style>
+      <a:lnRef idx="2">
+        <a:scrgbClr r="0" g="0" b="0"/>
+      </a:lnRef>
+      <a:fillRef idx="1">
+        <a:scrgbClr r="0" g="0" b="0"/>
+      </a:fillRef>
+      <a:effectRef idx="0">
+        <a:scrgbClr r="0" g="0" b="0"/>
+      </a:effectRef>
+      <a:fontRef idx="minor">
+        <a:schemeClr val="lt1"/>
+      </a:fontRef>
+    </dgm:style>
+  </dgm:styleLbl>
+  <dgm:styleLbl name="node4">
+    <dgm:scene3d>
+      <a:camera prst="orthographicFront"/>
+      <a:lightRig rig="threePt" dir="t"/>
+    </dgm:scene3d>
+    <dgm:sp3d/>
+    <dgm:txPr/>
+    <dgm:style>
+      <a:lnRef idx="2">
+        <a:scrgbClr r="0" g="0" b="0"/>
+      </a:lnRef>
+      <a:fillRef idx="1">
+        <a:scrgbClr r="0" g="0" b="0"/>
+      </a:fillRef>
+      <a:effectRef idx="0">
+        <a:scrgbClr r="0" g="0" b="0"/>
+      </a:effectRef>
+      <a:fontRef idx="minor">
+        <a:schemeClr val="lt1"/>
+      </a:fontRef>
+    </dgm:style>
+  </dgm:styleLbl>
+  <dgm:styleLbl name="fgImgPlace1">
+    <dgm:scene3d>
+      <a:camera prst="orthographicFront"/>
+      <a:lightRig rig="threePt" dir="t"/>
+    </dgm:scene3d>
+    <dgm:sp3d/>
+    <dgm:txPr/>
+    <dgm:style>
+      <a:lnRef idx="2">
+        <a:scrgbClr r="0" g="0" b="0"/>
+      </a:lnRef>
+      <a:fillRef idx="1">
+        <a:scrgbClr r="0" g="0" b="0"/>
+      </a:fillRef>
+      <a:effectRef idx="0">
+        <a:scrgbClr r="0" g="0" b="0"/>
+      </a:effectRef>
+      <a:fontRef idx="minor"/>
+    </dgm:style>
+  </dgm:styleLbl>
+  <dgm:styleLbl name="alignImgPlace1">
+    <dgm:scene3d>
+      <a:camera prst="orthographicFront"/>
+      <a:lightRig rig="threePt" dir="t"/>
+    </dgm:scene3d>
+    <dgm:sp3d/>
+    <dgm:txPr/>
+    <dgm:style>
+      <a:lnRef idx="2">
+        <a:scrgbClr r="0" g="0" b="0"/>
+      </a:lnRef>
+      <a:fillRef idx="1">
+        <a:scrgbClr r="0" g="0" b="0"/>
+      </a:fillRef>
+      <a:effectRef idx="0">
+        <a:scrgbClr r="0" g="0" b="0"/>
+      </a:effectRef>
+      <a:fontRef idx="minor"/>
+    </dgm:style>
+  </dgm:styleLbl>
+  <dgm:styleLbl name="bgImgPlace1">
+    <dgm:scene3d>
+      <a:camera prst="orthographicFront"/>
+      <a:lightRig rig="threePt" dir="t"/>
+    </dgm:scene3d>
+    <dgm:sp3d/>
+    <dgm:txPr/>
+    <dgm:style>
+      <a:lnRef idx="2">
+        <a:scrgbClr r="0" g="0" b="0"/>
+      </a:lnRef>
+      <a:fillRef idx="1">
+        <a:scrgbClr r="0" g="0" b="0"/>
+      </a:fillRef>
+      <a:effectRef idx="0">
+        <a:scrgbClr r="0" g="0" b="0"/>
+      </a:effectRef>
+      <a:fontRef idx="minor"/>
+    </dgm:style>
+  </dgm:styleLbl>
+  <dgm:styleLbl name="sibTrans2D1">
+    <dgm:scene3d>
+      <a:camera prst="orthographicFront"/>
+      <a:lightRig rig="threePt" dir="t"/>
+    </dgm:scene3d>
+    <dgm:sp3d/>
+    <dgm:txPr/>
+    <dgm:style>
+      <a:lnRef idx="0">
+        <a:scrgbClr r="0" g="0" b="0"/>
+      </a:lnRef>
+      <a:fillRef idx="1">
+        <a:scrgbClr r="0" g="0" b="0"/>
+      </a:fillRef>
+      <a:effectRef idx="0">
+        <a:scrgbClr r="0" g="0" b="0"/>
+      </a:effectRef>
+      <a:fontRef idx="minor">
+        <a:schemeClr val="lt1"/>
+      </a:fontRef>
+    </dgm:style>
+  </dgm:styleLbl>
+  <dgm:styleLbl name="fgSibTrans2D1">
+    <dgm:scene3d>
+      <a:camera prst="orthographicFront"/>
+      <a:lightRig rig="threePt" dir="t"/>
+    </dgm:scene3d>
+    <dgm:sp3d/>
+    <dgm:txPr/>
+    <dgm:style>
+      <a:lnRef idx="0">
+        <a:scrgbClr r="0" g="0" b="0"/>
+      </a:lnRef>
+      <a:fillRef idx="1">
+        <a:scrgbClr r="0" g="0" b="0"/>
+      </a:fillRef>
+      <a:effectRef idx="0">
+        <a:scrgbClr r="0" g="0" b="0"/>
+      </a:effectRef>
+      <a:fontRef idx="minor">
+        <a:schemeClr val="lt1"/>
+      </a:fontRef>
+    </dgm:style>
+  </dgm:styleLbl>
+  <dgm:styleLbl name="bgSibTrans2D1">
+    <dgm:scene3d>
+      <a:camera prst="orthographicFront"/>
+      <a:lightRig rig="threePt" dir="t"/>
+    </dgm:scene3d>
+    <dgm:sp3d/>
+    <dgm:txPr/>
+    <dgm:style>
+      <a:lnRef idx="0">
+        <a:scrgbClr r="0" g="0" b="0"/>
+      </a:lnRef>
+      <a:fillRef idx="1">
+        <a:scrgbClr r="0" g="0" b="0"/>
+      </a:fillRef>
+      <a:effectRef idx="0">
+        <a:scrgbClr r="0" g="0" b="0"/>
+      </a:effectRef>
+      <a:fontRef idx="minor">
+        <a:schemeClr val="lt1"/>
+      </a:fontRef>
+    </dgm:style>
+  </dgm:styleLbl>
+  <dgm:styleLbl name="sibTrans1D1">
+    <dgm:scene3d>
+      <a:camera prst="orthographicFront"/>
+      <a:lightRig rig="threePt" dir="t"/>
+    </dgm:scene3d>
+    <dgm:sp3d/>
+    <dgm:txPr/>
+    <dgm:style>
+      <a:lnRef idx="1">
+        <a:scrgbClr r="0" g="0" b="0"/>
+      </a:lnRef>
+      <a:fillRef idx="0">
+        <a:scrgbClr r="0" g="0" b="0"/>
+      </a:fillRef>
+      <a:effectRef idx="0">
+        <a:scrgbClr r="0" g="0" b="0"/>
+      </a:effectRef>
+      <a:fontRef idx="minor"/>
+    </dgm:style>
+  </dgm:styleLbl>
+  <dgm:styleLbl name="callout">
+    <dgm:scene3d>
+      <a:camera prst="orthographicFront"/>
+      <a:lightRig rig="threePt" dir="t"/>
+    </dgm:scene3d>
+    <dgm:sp3d/>
+    <dgm:txPr/>
+    <dgm:style>
+      <a:lnRef idx="2">
+        <a:scrgbClr r="0" g="0" b="0"/>
+      </a:lnRef>
+      <a:fillRef idx="1">
+        <a:scrgbClr r="0" g="0" b="0"/>
+      </a:fillRef>
+      <a:effectRef idx="0">
+        <a:scrgbClr r="0" g="0" b="0"/>
+      </a:effectRef>
+      <a:fontRef idx="minor"/>
+    </dgm:style>
+  </dgm:styleLbl>
+  <dgm:styleLbl name="asst0">
+    <dgm:scene3d>
+      <a:camera prst="orthographicFront"/>
+      <a:lightRig rig="threePt" dir="t"/>
+    </dgm:scene3d>
+    <dgm:sp3d/>
+    <dgm:txPr/>
+    <dgm:style>
+      <a:lnRef idx="2">
+        <a:scrgbClr r="0" g="0" b="0"/>
+      </a:lnRef>
+      <a:fillRef idx="1">
+        <a:scrgbClr r="0" g="0" b="0"/>
+      </a:fillRef>
+      <a:effectRef idx="0">
+        <a:scrgbClr r="0" g="0" b="0"/>
+      </a:effectRef>
+      <a:fontRef idx="minor">
+        <a:schemeClr val="lt1"/>
+      </a:fontRef>
+    </dgm:style>
+  </dgm:styleLbl>
+  <dgm:styleLbl name="asst1">
+    <dgm:scene3d>
+      <a:camera prst="orthographicFront"/>
+      <a:lightRig rig="threePt" dir="t"/>
+    </dgm:scene3d>
+    <dgm:sp3d/>
+    <dgm:txPr/>
+    <dgm:style>
+      <a:lnRef idx="2">
+        <a:scrgbClr r="0" g="0" b="0"/>
+      </a:lnRef>
+      <a:fillRef idx="1">
+        <a:scrgbClr r="0" g="0" b="0"/>
+      </a:fillRef>
+      <a:effectRef idx="0">
+        <a:scrgbClr r="0" g="0" b="0"/>
+      </a:effectRef>
+      <a:fontRef idx="minor">
+        <a:schemeClr val="lt1"/>
+      </a:fontRef>
+    </dgm:style>
+  </dgm:styleLbl>
+  <dgm:styleLbl name="asst2">
+    <dgm:scene3d>
+      <a:camera prst="orthographicFront"/>
+      <a:lightRig rig="threePt" dir="t"/>
+    </dgm:scene3d>
+    <dgm:sp3d/>
+    <dgm:txPr/>
+    <dgm:style>
+      <a:lnRef idx="2">
+        <a:scrgbClr r="0" g="0" b="0"/>
+      </a:lnRef>
+      <a:fillRef idx="1">
+        <a:scrgbClr r="0" g="0" b="0"/>
+      </a:fillRef>
+      <a:effectRef idx="0">
+        <a:scrgbClr r="0" g="0" b="0"/>
+      </a:effectRef>
+      <a:fontRef idx="minor">
+        <a:schemeClr val="lt1"/>
+      </a:fontRef>
+    </dgm:style>
+  </dgm:styleLbl>
+  <dgm:styleLbl name="asst3">
+    <dgm:scene3d>
+      <a:camera prst="orthographicFront"/>
+      <a:lightRig rig="threePt" dir="t"/>
+    </dgm:scene3d>
+    <dgm:sp3d/>
+    <dgm:txPr/>
+    <dgm:style>
+      <a:lnRef idx="2">
+        <a:scrgbClr r="0" g="0" b="0"/>
+      </a:lnRef>
+      <a:fillRef idx="1">
+        <a:scrgbClr r="0" g="0" b="0"/>
+      </a:fillRef>
+      <a:effectRef idx="0">
+        <a:scrgbClr r="0" g="0" b="0"/>
+      </a:effectRef>
+      <a:fontRef idx="minor">
+        <a:schemeClr val="lt1"/>
+      </a:fontRef>
+    </dgm:style>
+  </dgm:styleLbl>
+  <dgm:styleLbl name="asst4">
+    <dgm:scene3d>
+      <a:camera prst="orthographicFront"/>
+      <a:lightRig rig="threePt" dir="t"/>
+    </dgm:scene3d>
+    <dgm:sp3d/>
+    <dgm:txPr/>
+    <dgm:style>
+      <a:lnRef idx="2">
+        <a:scrgbClr r="0" g="0" b="0"/>
+      </a:lnRef>
+      <a:fillRef idx="1">
+        <a:scrgbClr r="0" g="0" b="0"/>
+      </a:fillRef>
+      <a:effectRef idx="0">
+        <a:scrgbClr r="0" g="0" b="0"/>
+      </a:effectRef>
+      <a:fontRef idx="minor">
+        <a:schemeClr val="lt1"/>
+      </a:fontRef>
+    </dgm:style>
+  </dgm:styleLbl>
+  <dgm:styleLbl name="parChTrans2D1">
+    <dgm:scene3d>
+      <a:camera prst="orthographicFront"/>
+      <a:lightRig rig="threePt" dir="t"/>
+    </dgm:scene3d>
+    <dgm:sp3d/>
+    <dgm:txPr/>
+    <dgm:style>
+      <a:lnRef idx="2">
+        <a:scrgbClr r="0" g="0" b="0"/>
+      </a:lnRef>
+      <a:fillRef idx="1">
+        <a:scrgbClr r="0" g="0" b="0"/>
+      </a:fillRef>
+      <a:effectRef idx="0">
+        <a:scrgbClr r="0" g="0" b="0"/>
+      </a:effectRef>
+      <a:fontRef idx="minor">
+        <a:schemeClr val="lt1"/>
+      </a:fontRef>
+    </dgm:style>
+  </dgm:styleLbl>
+  <dgm:styleLbl name="parChTrans2D2">
+    <dgm:scene3d>
+      <a:camera prst="orthographicFront"/>
+      <a:lightRig rig="threePt" dir="t"/>
+    </dgm:scene3d>
+    <dgm:sp3d/>
+    <dgm:txPr/>
+    <dgm:style>
+      <a:lnRef idx="2">
+        <a:scrgbClr r="0" g="0" b="0"/>
+      </a:lnRef>
+      <a:fillRef idx="1">
+        <a:scrgbClr r="0" g="0" b="0"/>
+      </a:fillRef>
+      <a:effectRef idx="0">
+        <a:scrgbClr r="0" g="0" b="0"/>
+      </a:effectRef>
+      <a:fontRef idx="minor">
+        <a:schemeClr val="lt1"/>
+      </a:fontRef>
+    </dgm:style>
+  </dgm:styleLbl>
+  <dgm:styleLbl name="parChTrans2D3">
+    <dgm:scene3d>
+      <a:camera prst="orthographicFront"/>
+      <a:lightRig rig="threePt" dir="t"/>
+    </dgm:scene3d>
+    <dgm:sp3d/>
+    <dgm:txPr/>
+    <dgm:style>
+      <a:lnRef idx="2">
+        <a:scrgbClr r="0" g="0" b="0"/>
+      </a:lnRef>
+      <a:fillRef idx="1">
+        <a:scrgbClr r="0" g="0" b="0"/>
+      </a:fillRef>
+      <a:effectRef idx="0">
+        <a:scrgbClr r="0" g="0" b="0"/>
+      </a:effectRef>
+      <a:fontRef idx="minor">
+        <a:schemeClr val="lt1"/>
+      </a:fontRef>
+    </dgm:style>
+  </dgm:styleLbl>
+  <dgm:styleLbl name="parChTrans2D4">
+    <dgm:scene3d>
+      <a:camera prst="orthographicFront"/>
+      <a:lightRig rig="threePt" dir="t"/>
+    </dgm:scene3d>
+    <dgm:sp3d/>
+    <dgm:txPr/>
+    <dgm:style>
+      <a:lnRef idx="2">
+        <a:scrgbClr r="0" g="0" b="0"/>
+      </a:lnRef>
+      <a:fillRef idx="1">
+        <a:scrgbClr r="0" g="0" b="0"/>
+      </a:fillRef>
+      <a:effectRef idx="0">
+        <a:scrgbClr r="0" g="0" b="0"/>
+      </a:effectRef>
+      <a:fontRef idx="minor">
+        <a:schemeClr val="lt1"/>
+      </a:fontRef>
+    </dgm:style>
+  </dgm:styleLbl>
+  <dgm:styleLbl name="parChTrans1D1">
+    <dgm:scene3d>
+      <a:camera prst="orthographicFront"/>
+      <a:lightRig rig="threePt" dir="t"/>
+    </dgm:scene3d>
+    <dgm:sp3d/>
+    <dgm:txPr/>
+    <dgm:style>
+      <a:lnRef idx="2">
+        <a:scrgbClr r="0" g="0" b="0"/>
+      </a:lnRef>
+      <a:fillRef idx="0">
+        <a:scrgbClr r="0" g="0" b="0"/>
+      </a:fillRef>
+      <a:effectRef idx="0">
+        <a:scrgbClr r="0" g="0" b="0"/>
+      </a:effectRef>
+      <a:fontRef idx="minor"/>
+    </dgm:style>
+  </dgm:styleLbl>
+  <dgm:styleLbl name="parChTrans1D2">
+    <dgm:scene3d>
+      <a:camera prst="orthographicFront"/>
+      <a:lightRig rig="threePt" dir="t"/>
+    </dgm:scene3d>
+    <dgm:sp3d/>
+    <dgm:txPr/>
+    <dgm:style>
+      <a:lnRef idx="2">
+        <a:scrgbClr r="0" g="0" b="0"/>
+      </a:lnRef>
+      <a:fillRef idx="0">
+        <a:scrgbClr r="0" g="0" b="0"/>
+      </a:fillRef>
+      <a:effectRef idx="0">
+        <a:scrgbClr r="0" g="0" b="0"/>
+      </a:effectRef>
+      <a:fontRef idx="minor"/>
+    </dgm:style>
+  </dgm:styleLbl>
+  <dgm:styleLbl name="parChTrans1D3">
+    <dgm:scene3d>
+      <a:camera prst="orthographicFront"/>
+      <a:lightRig rig="threePt" dir="t"/>
+    </dgm:scene3d>
+    <dgm:sp3d/>
+    <dgm:txPr/>
+    <dgm:style>
+      <a:lnRef idx="2">
+        <a:scrgbClr r="0" g="0" b="0"/>
+      </a:lnRef>
+      <a:fillRef idx="0">
+        <a:scrgbClr r="0" g="0" b="0"/>
+      </a:fillRef>
+      <a:effectRef idx="0">
+        <a:scrgbClr r="0" g="0" b="0"/>
+      </a:effectRef>
+      <a:fontRef idx="minor"/>
+    </dgm:style>
+  </dgm:styleLbl>
+  <dgm:styleLbl name="parChTrans1D4">
+    <dgm:scene3d>
+      <a:camera prst="orthographicFront"/>
+      <a:lightRig rig="threePt" dir="t"/>
+    </dgm:scene3d>
+    <dgm:sp3d/>
+    <dgm:txPr/>
+    <dgm:style>
+      <a:lnRef idx="2">
+        <a:scrgbClr r="0" g="0" b="0"/>
+      </a:lnRef>
+      <a:fillRef idx="0">
+        <a:scrgbClr r="0" g="0" b="0"/>
+      </a:fillRef>
+      <a:effectRef idx="0">
+        <a:scrgbClr r="0" g="0" b="0"/>
+      </a:effectRef>
+      <a:fontRef idx="minor"/>
+    </dgm:style>
+  </dgm:styleLbl>
+  <dgm:styleLbl name="fgAcc1">
+    <dgm:scene3d>
+      <a:camera prst="orthographicFront"/>
+      <a:lightRig rig="threePt" dir="t"/>
+    </dgm:scene3d>
+    <dgm:sp3d/>
+    <dgm:txPr/>
+    <dgm:style>
+      <a:lnRef idx="2">
+        <a:scrgbClr r="0" g="0" b="0"/>
+      </a:lnRef>
+      <a:fillRef idx="1">
+        <a:scrgbClr r="0" g="0" b="0"/>
+      </a:fillRef>
+      <a:effectRef idx="0">
+        <a:scrgbClr r="0" g="0" b="0"/>
+      </a:effectRef>
+      <a:fontRef idx="minor"/>
+    </dgm:style>
+  </dgm:styleLbl>
+  <dgm:styleLbl name="conFgAcc1">
+    <dgm:scene3d>
+      <a:camera prst="orthographicFront"/>
+      <a:lightRig rig="threePt" dir="t"/>
+    </dgm:scene3d>
+    <dgm:sp3d/>
+    <dgm:txPr/>
+    <dgm:style>
+      <a:lnRef idx="2">
+        <a:scrgbClr r="0" g="0" b="0"/>
+      </a:lnRef>
+      <a:fillRef idx="1">
+        <a:scrgbClr r="0" g="0" b="0"/>
+      </a:fillRef>
+      <a:effectRef idx="0">
+        <a:scrgbClr r="0" g="0" b="0"/>
+      </a:effectRef>
+      <a:fontRef idx="minor"/>
+    </dgm:style>
+  </dgm:styleLbl>
+  <dgm:styleLbl name="alignAcc1">
+    <dgm:scene3d>
+      <a:camera prst="orthographicFront"/>
+      <a:lightRig rig="threePt" dir="t"/>
+    </dgm:scene3d>
+    <dgm:sp3d/>
+    <dgm:txPr/>
+    <dgm:style>
+      <a:lnRef idx="2">
+        <a:scrgbClr r="0" g="0" b="0"/>
+      </a:lnRef>
+      <a:fillRef idx="1">
+        <a:scrgbClr r="0" g="0" b="0"/>
+      </a:fillRef>
+      <a:effectRef idx="0">
+        <a:scrgbClr r="0" g="0" b="0"/>
+      </a:effectRef>
+      <a:fontRef idx="minor"/>
+    </dgm:style>
+  </dgm:styleLbl>
+  <dgm:styleLbl name="trAlignAcc1">
+    <dgm:scene3d>
+      <a:camera prst="orthographicFront"/>
+      <a:lightRig rig="threePt" dir="t"/>
+    </dgm:scene3d>
+    <dgm:sp3d/>
+    <dgm:txPr/>
+    <dgm:style>
+      <a:lnRef idx="1">
+        <a:scrgbClr r="0" g="0" b="0"/>
+      </a:lnRef>
+      <a:fillRef idx="1">
+        <a:scrgbClr r="0" g="0" b="0"/>
+      </a:fillRef>
+      <a:effectRef idx="0">
+        <a:scrgbClr r="0" g="0" b="0"/>
+      </a:effectRef>
+      <a:fontRef idx="minor"/>
+    </dgm:style>
+  </dgm:styleLbl>
+  <dgm:styleLbl name="bgAcc1">
+    <dgm:scene3d>
+      <a:camera prst="orthographicFront"/>
+      <a:lightRig rig="threePt" dir="t"/>
+    </dgm:scene3d>
+    <dgm:sp3d/>
+    <dgm:txPr/>
+    <dgm:style>
+      <a:lnRef idx="2">
+        <a:scrgbClr r="0" g="0" b="0"/>
+      </a:lnRef>
+      <a:fillRef idx="1">
+        <a:scrgbClr r="0" g="0" b="0"/>
+      </a:fillRef>
+      <a:effectRef idx="0">
+        <a:scrgbClr r="0" g="0" b="0"/>
+      </a:effectRef>
+      <a:fontRef idx="minor"/>
+    </dgm:style>
+  </dgm:styleLbl>
+  <dgm:styleLbl name="solidFgAcc1">
+    <dgm:scene3d>
+      <a:camera prst="orthographicFront"/>
+      <a:lightRig rig="threePt" dir="t"/>
+    </dgm:scene3d>
+    <dgm:sp3d/>
+    <dgm:txPr/>
+    <dgm:style>
+      <a:lnRef idx="2">
+        <a:scrgbClr r="0" g="0" b="0"/>
+      </a:lnRef>
+      <a:fillRef idx="1">
+        <a:scrgbClr r="0" g="0" b="0"/>
+      </a:fillRef>
+      <a:effectRef idx="0">
+        <a:scrgbClr r="0" g="0" b="0"/>
+      </a:effectRef>
+      <a:fontRef idx="minor"/>
+    </dgm:style>
+  </dgm:styleLbl>
+  <dgm:styleLbl name="solidAlignAcc1">
+    <dgm:scene3d>
+      <a:camera prst="orthographicFront"/>
+      <a:lightRig rig="threePt" dir="t"/>
+    </dgm:scene3d>
+    <dgm:sp3d/>
+    <dgm:txPr/>
+    <dgm:style>
+      <a:lnRef idx="2">
+        <a:scrgbClr r="0" g="0" b="0"/>
+      </a:lnRef>
+      <a:fillRef idx="1">
+        <a:scrgbClr r="0" g="0" b="0"/>
+      </a:fillRef>
+      <a:effectRef idx="0">
+        <a:scrgbClr r="0" g="0" b="0"/>
+      </a:effectRef>
+      <a:fontRef idx="minor"/>
+    </dgm:style>
+  </dgm:styleLbl>
+  <dgm:styleLbl name="solidBgAcc1">
+    <dgm:scene3d>
+      <a:camera prst="orthographicFront"/>
+      <a:lightRig rig="threePt" dir="t"/>
+    </dgm:scene3d>
+    <dgm:sp3d/>
+    <dgm:txPr/>
+    <dgm:style>
+      <a:lnRef idx="2">
+        <a:scrgbClr r="0" g="0" b="0"/>
+      </a:lnRef>
+      <a:fillRef idx="1">
+        <a:scrgbClr r="0" g="0" b="0"/>
+      </a:fillRef>
+      <a:effectRef idx="0">
+        <a:scrgbClr r="0" g="0" b="0"/>
+      </a:effectRef>
+      <a:fontRef idx="minor"/>
+    </dgm:style>
+  </dgm:styleLbl>
+  <dgm:styleLbl name="fgAccFollowNode1">
+    <dgm:scene3d>
+      <a:camera prst="orthographicFront"/>
+      <a:lightRig rig="threePt" dir="t"/>
+    </dgm:scene3d>
+    <dgm:sp3d/>
+    <dgm:txPr/>
+    <dgm:style>
+      <a:lnRef idx="2">
+        <a:scrgbClr r="0" g="0" b="0"/>
+      </a:lnRef>
+      <a:fillRef idx="1">
+        <a:scrgbClr r="0" g="0" b="0"/>
+      </a:fillRef>
+      <a:effectRef idx="0">
+        <a:scrgbClr r="0" g="0" b="0"/>
+      </a:effectRef>
+      <a:fontRef idx="minor"/>
+    </dgm:style>
+  </dgm:styleLbl>
+  <dgm:styleLbl name="alignAccFollowNode1">
+    <dgm:scene3d>
+      <a:camera prst="orthographicFront"/>
+      <a:lightRig rig="threePt" dir="t"/>
+    </dgm:scene3d>
+    <dgm:sp3d/>
+    <dgm:txPr/>
+    <dgm:style>
+      <a:lnRef idx="2">
+        <a:scrgbClr r="0" g="0" b="0"/>
+      </a:lnRef>
+      <a:fillRef idx="1">
+        <a:scrgbClr r="0" g="0" b="0"/>
+      </a:fillRef>
+      <a:effectRef idx="0">
+        <a:scrgbClr r="0" g="0" b="0"/>
+      </a:effectRef>
+      <a:fontRef idx="minor"/>
+    </dgm:style>
+  </dgm:styleLbl>
+  <dgm:styleLbl name="bgAccFollowNode1">
+    <dgm:scene3d>
+      <a:camera prst="orthographicFront"/>
+      <a:lightRig rig="threePt" dir="t"/>
+    </dgm:scene3d>
+    <dgm:sp3d/>
+    <dgm:txPr/>
+    <dgm:style>
+      <a:lnRef idx="2">
+        <a:scrgbClr r="0" g="0" b="0"/>
+      </a:lnRef>
+      <a:fillRef idx="1">
+        <a:scrgbClr r="0" g="0" b="0"/>
+      </a:fillRef>
+      <a:effectRef idx="0">
+        <a:scrgbClr r="0" g="0" b="0"/>
+      </a:effectRef>
+      <a:fontRef idx="minor"/>
+    </dgm:style>
+  </dgm:styleLbl>
+  <dgm:styleLbl name="fgAcc0">
+    <dgm:scene3d>
+      <a:camera prst="orthographicFront"/>
+      <a:lightRig rig="threePt" dir="t"/>
+    </dgm:scene3d>
+    <dgm:sp3d/>
+    <dgm:txPr/>
+    <dgm:style>
+      <a:lnRef idx="2">
+        <a:scrgbClr r="0" g="0" b="0"/>
+      </a:lnRef>
+      <a:fillRef idx="1">
+        <a:scrgbClr r="0" g="0" b="0"/>
+      </a:fillRef>
+      <a:effectRef idx="0">
+        <a:scrgbClr r="0" g="0" b="0"/>
+      </a:effectRef>
+      <a:fontRef idx="minor"/>
+    </dgm:style>
+  </dgm:styleLbl>
+  <dgm:styleLbl name="fgAcc2">
+    <dgm:scene3d>
+      <a:camera prst="orthographicFront"/>
+      <a:lightRig rig="threePt" dir="t"/>
+    </dgm:scene3d>
+    <dgm:sp3d/>
+    <dgm:txPr/>
+    <dgm:style>
+      <a:lnRef idx="2">
+        <a:scrgbClr r="0" g="0" b="0"/>
+      </a:lnRef>
+      <a:fillRef idx="1">
+        <a:scrgbClr r="0" g="0" b="0"/>
+      </a:fillRef>
+      <a:effectRef idx="0">
+        <a:scrgbClr r="0" g="0" b="0"/>
+      </a:effectRef>
+      <a:fontRef idx="minor"/>
+    </dgm:style>
+  </dgm:styleLbl>
+  <dgm:styleLbl name="fgAcc3">
+    <dgm:scene3d>
+      <a:camera prst="orthographicFront"/>
+      <a:lightRig rig="threePt" dir="t"/>
+    </dgm:scene3d>
+    <dgm:sp3d/>
+    <dgm:txPr/>
+    <dgm:style>
+      <a:lnRef idx="2">
+        <a:scrgbClr r="0" g="0" b="0"/>
+      </a:lnRef>
+      <a:fillRef idx="1">
+        <a:scrgbClr r="0" g="0" b="0"/>
+      </a:fillRef>
+      <a:effectRef idx="0">
+        <a:scrgbClr r="0" g="0" b="0"/>
+      </a:effectRef>
+      <a:fontRef idx="minor"/>
+    </dgm:style>
+  </dgm:styleLbl>
+  <dgm:styleLbl name="fgAcc4">
+    <dgm:scene3d>
+      <a:camera prst="orthographicFront"/>
+      <a:lightRig rig="threePt" dir="t"/>
+    </dgm:scene3d>
+    <dgm:sp3d/>
+    <dgm:txPr/>
+    <dgm:style>
+      <a:lnRef idx="2">
+        <a:scrgbClr r="0" g="0" b="0"/>
+      </a:lnRef>
+      <a:fillRef idx="1">
+        <a:scrgbClr r="0" g="0" b="0"/>
+      </a:fillRef>
+      <a:effectRef idx="0">
+        <a:scrgbClr r="0" g="0" b="0"/>
+      </a:effectRef>
+      <a:fontRef idx="minor"/>
+    </dgm:style>
+  </dgm:styleLbl>
+  <dgm:styleLbl name="bgShp">
+    <dgm:scene3d>
+      <a:camera prst="orthographicFront"/>
+      <a:lightRig rig="threePt" dir="t"/>
+    </dgm:scene3d>
+    <dgm:sp3d/>
+    <dgm:txPr/>
+    <dgm:style>
+      <a:lnRef idx="0">
+        <a:scrgbClr r="0" g="0" b="0"/>
+      </a:lnRef>
+      <a:fillRef idx="1">
+        <a:scrgbClr r="0" g="0" b="0"/>
+      </a:fillRef>
+      <a:effectRef idx="0">
+        <a:scrgbClr r="0" g="0" b="0"/>
+      </a:effectRef>
+      <a:fontRef idx="minor"/>
+    </dgm:style>
+  </dgm:styleLbl>
+  <dgm:styleLbl name="dkBgShp">
+    <dgm:scene3d>
+      <a:camera prst="orthographicFront"/>
+      <a:lightRig rig="threePt" dir="t"/>
+    </dgm:scene3d>
+    <dgm:sp3d/>
+    <dgm:txPr/>
+    <dgm:style>
+      <a:lnRef idx="0">
+        <a:scrgbClr r="0" g="0" b="0"/>
+      </a:lnRef>
+      <a:fillRef idx="1">
+        <a:scrgbClr r="0" g="0" b="0"/>
+      </a:fillRef>
+      <a:effectRef idx="0">
+        <a:scrgbClr r="0" g="0" b="0"/>
+      </a:effectRef>
+      <a:fontRef idx="minor"/>
+    </dgm:style>
+  </dgm:styleLbl>
+  <dgm:styleLbl name="trBgShp">
+    <dgm:scene3d>
+      <a:camera prst="orthographicFront"/>
+      <a:lightRig rig="threePt" dir="t"/>
+    </dgm:scene3d>
+    <dgm:sp3d/>
+    <dgm:txPr/>
+    <dgm:style>
+      <a:lnRef idx="0">
+        <a:scrgbClr r="0" g="0" b="0"/>
+      </a:lnRef>
+      <a:fillRef idx="1">
+        <a:scrgbClr r="0" g="0" b="0"/>
+      </a:fillRef>
+      <a:effectRef idx="0">
+        <a:scrgbClr r="0" g="0" b="0"/>
+      </a:effectRef>
+      <a:fontRef idx="minor"/>
+    </dgm:style>
+  </dgm:styleLbl>
+  <dgm:styleLbl name="fgShp">
+    <dgm:scene3d>
+      <a:camera prst="orthographicFront"/>
+      <a:lightRig rig="threePt" dir="t"/>
+    </dgm:scene3d>
+    <dgm:sp3d/>
+    <dgm:txPr/>
+    <dgm:style>
+      <a:lnRef idx="2">
+        <a:scrgbClr r="0" g="0" b="0"/>
+      </a:lnRef>
+      <a:fillRef idx="1">
+        <a:scrgbClr r="0" g="0" b="0"/>
+      </a:fillRef>
+      <a:effectRef idx="0">
+        <a:scrgbClr r="0" g="0" b="0"/>
+      </a:effectRef>
+      <a:fontRef idx="minor"/>
+    </dgm:style>
+  </dgm:styleLbl>
+  <dgm:styleLbl name="revTx">
+    <dgm:scene3d>
+      <a:camera prst="orthographicFront"/>
+      <a:lightRig rig="threePt" dir="t"/>
+    </dgm:scene3d>
+    <dgm:sp3d/>
+    <dgm:txPr/>
+    <dgm:style>
+      <a:lnRef idx="0">
+        <a:scrgbClr r="0" g="0" b="0"/>
+      </a:lnRef>
+      <a:fillRef idx="0">
+        <a:scrgbClr r="0" g="0" b="0"/>
+      </a:fillRef>
+      <a:effectRef idx="0">
+        <a:scrgbClr r="0" g="0" b="0"/>
+      </a:effectRef>
+      <a:fontRef idx="minor"/>
+    </dgm:style>
+  </dgm:styleLbl>
+</dgm:styleDef>
 </file>
 
 <file path=ppt/slideLayouts/slideLayout1.xml><?xml version="1.0" encoding="utf-8"?>
@@ -1247,7 +3644,7 @@
           <a:p>
             <a:fld id="{5BCAD085-E8A6-8845-BD4E-CB4CCA059FC4}" type="datetimeFigureOut">
               <a:rPr lang="en-US" smtClean="0"/>
-              <a:t>6/26/2024</a:t>
+              <a:t>8/7/2024</a:t>
             </a:fld>
             <a:endParaRPr lang="en-US"/>
           </a:p>
@@ -1498,7 +3895,7 @@
           <a:p>
             <a:fld id="{5BCAD085-E8A6-8845-BD4E-CB4CCA059FC4}" type="datetimeFigureOut">
               <a:rPr lang="en-US" smtClean="0"/>
-              <a:t>6/26/2024</a:t>
+              <a:t>8/7/2024</a:t>
             </a:fld>
             <a:endParaRPr lang="en-US"/>
           </a:p>
@@ -1812,7 +4209,7 @@
           <a:p>
             <a:fld id="{5BCAD085-E8A6-8845-BD4E-CB4CCA059FC4}" type="datetimeFigureOut">
               <a:rPr lang="en-US" smtClean="0"/>
-              <a:t>6/26/2024</a:t>
+              <a:t>8/7/2024</a:t>
             </a:fld>
             <a:endParaRPr lang="en-US"/>
           </a:p>
@@ -2145,7 +4542,7 @@
           <a:p>
             <a:fld id="{5BCAD085-E8A6-8845-BD4E-CB4CCA059FC4}" type="datetimeFigureOut">
               <a:rPr lang="en-US" smtClean="0"/>
-              <a:t>6/26/2024</a:t>
+              <a:t>8/7/2024</a:t>
             </a:fld>
             <a:endParaRPr lang="en-US"/>
           </a:p>
@@ -2459,7 +4856,7 @@
           <a:p>
             <a:fld id="{5BCAD085-E8A6-8845-BD4E-CB4CCA059FC4}" type="datetimeFigureOut">
               <a:rPr lang="en-US" smtClean="0"/>
-              <a:t>6/26/2024</a:t>
+              <a:t>8/7/2024</a:t>
             </a:fld>
             <a:endParaRPr lang="en-US"/>
           </a:p>
@@ -2852,7 +5249,7 @@
           <a:p>
             <a:fld id="{5BCAD085-E8A6-8845-BD4E-CB4CCA059FC4}" type="datetimeFigureOut">
               <a:rPr lang="en-US" smtClean="0"/>
-              <a:t>6/26/2024</a:t>
+              <a:t>8/7/2024</a:t>
             </a:fld>
             <a:endParaRPr lang="en-US"/>
           </a:p>
@@ -3022,7 +5419,7 @@
           <a:p>
             <a:fld id="{5BCAD085-E8A6-8845-BD4E-CB4CCA059FC4}" type="datetimeFigureOut">
               <a:rPr lang="en-US" smtClean="0"/>
-              <a:t>6/26/2024</a:t>
+              <a:t>8/7/2024</a:t>
             </a:fld>
             <a:endParaRPr lang="en-US"/>
           </a:p>
@@ -3202,7 +5599,7 @@
           <a:p>
             <a:fld id="{5BCAD085-E8A6-8845-BD4E-CB4CCA059FC4}" type="datetimeFigureOut">
               <a:rPr lang="en-US" smtClean="0"/>
-              <a:t>6/26/2024</a:t>
+              <a:t>8/7/2024</a:t>
             </a:fld>
             <a:endParaRPr lang="en-US"/>
           </a:p>
@@ -3372,7 +5769,7 @@
           <a:p>
             <a:fld id="{5BCAD085-E8A6-8845-BD4E-CB4CCA059FC4}" type="datetimeFigureOut">
               <a:rPr lang="en-US" smtClean="0"/>
-              <a:t>6/26/2024</a:t>
+              <a:t>8/7/2024</a:t>
             </a:fld>
             <a:endParaRPr lang="en-US"/>
           </a:p>
@@ -3619,7 +6016,7 @@
           <a:p>
             <a:fld id="{5BCAD085-E8A6-8845-BD4E-CB4CCA059FC4}" type="datetimeFigureOut">
               <a:rPr lang="en-US" smtClean="0"/>
-              <a:t>6/26/2024</a:t>
+              <a:t>8/7/2024</a:t>
             </a:fld>
             <a:endParaRPr lang="en-US"/>
           </a:p>
@@ -3916,7 +6313,7 @@
           <a:p>
             <a:fld id="{5BCAD085-E8A6-8845-BD4E-CB4CCA059FC4}" type="datetimeFigureOut">
               <a:rPr lang="en-US" smtClean="0"/>
-              <a:t>6/26/2024</a:t>
+              <a:t>8/7/2024</a:t>
             </a:fld>
             <a:endParaRPr lang="en-US"/>
           </a:p>
@@ -4295,7 +6692,7 @@
           <a:p>
             <a:fld id="{5BCAD085-E8A6-8845-BD4E-CB4CCA059FC4}" type="datetimeFigureOut">
               <a:rPr lang="en-US" smtClean="0"/>
-              <a:t>6/26/2024</a:t>
+              <a:t>8/7/2024</a:t>
             </a:fld>
             <a:endParaRPr lang="en-US"/>
           </a:p>
@@ -4418,7 +6815,7 @@
           <a:p>
             <a:fld id="{5BCAD085-E8A6-8845-BD4E-CB4CCA059FC4}" type="datetimeFigureOut">
               <a:rPr lang="en-US" smtClean="0"/>
-              <a:t>6/26/2024</a:t>
+              <a:t>8/7/2024</a:t>
             </a:fld>
             <a:endParaRPr lang="en-US"/>
           </a:p>
@@ -4513,7 +6910,7 @@
           <a:p>
             <a:fld id="{5BCAD085-E8A6-8845-BD4E-CB4CCA059FC4}" type="datetimeFigureOut">
               <a:rPr lang="en-US" smtClean="0"/>
-              <a:t>6/26/2024</a:t>
+              <a:t>8/7/2024</a:t>
             </a:fld>
             <a:endParaRPr lang="en-US"/>
           </a:p>
@@ -4768,7 +7165,7 @@
           <a:p>
             <a:fld id="{5BCAD085-E8A6-8845-BD4E-CB4CCA059FC4}" type="datetimeFigureOut">
               <a:rPr lang="en-US" smtClean="0"/>
-              <a:t>6/26/2024</a:t>
+              <a:t>8/7/2024</a:t>
             </a:fld>
             <a:endParaRPr lang="en-US"/>
           </a:p>
@@ -5031,7 +7428,7 @@
           <a:p>
             <a:fld id="{5BCAD085-E8A6-8845-BD4E-CB4CCA059FC4}" type="datetimeFigureOut">
               <a:rPr lang="en-US" smtClean="0"/>
-              <a:t>6/26/2024</a:t>
+              <a:t>8/7/2024</a:t>
             </a:fld>
             <a:endParaRPr lang="en-US"/>
           </a:p>
@@ -5845,7 +8242,7 @@
           <a:p>
             <a:fld id="{5BCAD085-E8A6-8845-BD4E-CB4CCA059FC4}" type="datetimeFigureOut">
               <a:rPr lang="en-US" smtClean="0"/>
-              <a:t>6/26/2024</a:t>
+              <a:t>8/7/2024</a:t>
             </a:fld>
             <a:endParaRPr lang="en-US"/>
           </a:p>
@@ -6459,6 +8856,474 @@
 </p:sld>
 </file>
 
+<file path=ppt/slides/slide10.xml><?xml version="1.0" encoding="utf-8"?>
+<p:sld xmlns:a="http://schemas.openxmlformats.org/drawingml/2006/main" xmlns:r="http://schemas.openxmlformats.org/officeDocument/2006/relationships" xmlns:p="http://schemas.openxmlformats.org/presentationml/2006/main">
+  <p:cSld>
+    <p:spTree>
+      <p:nvGrpSpPr>
+        <p:cNvPr id="1" name=""/>
+        <p:cNvGrpSpPr/>
+        <p:nvPr/>
+      </p:nvGrpSpPr>
+      <p:grpSpPr>
+        <a:xfrm>
+          <a:off x="0" y="0"/>
+          <a:ext cx="0" cy="0"/>
+          <a:chOff x="0" y="0"/>
+          <a:chExt cx="0" cy="0"/>
+        </a:xfrm>
+      </p:grpSpPr>
+      <p:sp>
+        <p:nvSpPr>
+          <p:cNvPr id="2" name="Title 1"/>
+          <p:cNvSpPr>
+            <a:spLocks noGrp="1"/>
+          </p:cNvSpPr>
+          <p:nvPr>
+            <p:ph type="title"/>
+          </p:nvPr>
+        </p:nvSpPr>
+        <p:spPr/>
+        <p:txBody>
+          <a:bodyPr/>
+          <a:lstStyle/>
+          <a:p>
+            <a:r>
+              <a:rPr dirty="0"/>
+              <a:t>Non-Toxic Extraction Methods</a:t>
+            </a:r>
+          </a:p>
+        </p:txBody>
+      </p:sp>
+      <p:sp>
+        <p:nvSpPr>
+          <p:cNvPr id="3" name="Content Placeholder 2"/>
+          <p:cNvSpPr>
+            <a:spLocks noGrp="1"/>
+          </p:cNvSpPr>
+          <p:nvPr>
+            <p:ph idx="1"/>
+          </p:nvPr>
+        </p:nvSpPr>
+        <p:spPr/>
+        <p:txBody>
+          <a:bodyPr/>
+          <a:lstStyle/>
+          <a:p>
+            <a:r>
+              <a:rPr lang="en-US" b="1" dirty="0"/>
+              <a:t>Mechanical Separation</a:t>
+            </a:r>
+            <a:r>
+              <a:rPr lang="en-US" dirty="0"/>
+              <a:t>: Utilizing mechanical processes such as shredding, crushing, and sorting to separate different materials in e-waste. This method avoids the use of chemicals and minimizes the generation of hazardous by-products.</a:t>
+            </a:r>
+          </a:p>
+          <a:p>
+            <a:r>
+              <a:rPr lang="en-US" b="1" dirty="0"/>
+              <a:t>Green Chemistry Principles</a:t>
+            </a:r>
+            <a:r>
+              <a:rPr lang="en-US" dirty="0"/>
+              <a:t>: Designing extraction processes following green chemistry principles such as minimizing waste, using safer solvents, and maximizing efficiency to reduce environmental impact.</a:t>
+            </a:r>
+            <a:endParaRPr dirty="0"/>
+          </a:p>
+        </p:txBody>
+      </p:sp>
+      <p:sp>
+        <p:nvSpPr>
+          <p:cNvPr id="5" name="Rectangle 2">
+            <a:extLst>
+              <a:ext uri="{FF2B5EF4-FFF2-40B4-BE49-F238E27FC236}">
+                <a16:creationId xmlns:a16="http://schemas.microsoft.com/office/drawing/2014/main" id="{476942CE-47F7-F4DD-F0C1-9EC7F9FADE03}"/>
+              </a:ext>
+            </a:extLst>
+          </p:cNvPr>
+          <p:cNvSpPr>
+            <a:spLocks noChangeArrowheads="1"/>
+          </p:cNvSpPr>
+          <p:nvPr/>
+        </p:nvSpPr>
+        <p:spPr bwMode="auto">
+          <a:xfrm>
+            <a:off x="152400" y="-170765"/>
+            <a:ext cx="264816" cy="646331"/>
+          </a:xfrm>
+          <a:prstGeom prst="rect">
+            <a:avLst/>
+          </a:prstGeom>
+          <a:noFill/>
+          <a:ln>
+            <a:noFill/>
+          </a:ln>
+          <a:effectLst/>
+          <a:extLst>
+            <a:ext uri="{909E8E84-426E-40DD-AFC4-6F175D3DCCD1}">
+              <a14:hiddenFill xmlns:a14="http://schemas.microsoft.com/office/drawing/2010/main">
+                <a:solidFill>
+                  <a:schemeClr val="accent1"/>
+                </a:solidFill>
+              </a14:hiddenFill>
+            </a:ext>
+            <a:ext uri="{91240B29-F687-4F45-9708-019B960494DF}">
+              <a14:hiddenLine xmlns:a14="http://schemas.microsoft.com/office/drawing/2010/main" w="9525">
+                <a:solidFill>
+                  <a:schemeClr val="tx1"/>
+                </a:solidFill>
+                <a:miter lim="800000"/>
+                <a:headEnd/>
+                <a:tailEnd/>
+              </a14:hiddenLine>
+            </a:ext>
+            <a:ext uri="{AF507438-7753-43E0-B8FC-AC1667EBCBE1}">
+              <a14:hiddenEffects xmlns:a14="http://schemas.microsoft.com/office/drawing/2010/main">
+                <a:effectLst>
+                  <a:outerShdw dist="35921" dir="2700000" algn="ctr" rotWithShape="0">
+                    <a:schemeClr val="bg2"/>
+                  </a:outerShdw>
+                </a:effectLst>
+              </a14:hiddenEffects>
+            </a:ext>
+          </a:extLst>
+        </p:spPr>
+        <p:txBody>
+          <a:bodyPr vert="horz" wrap="none" lIns="91440" tIns="45720" rIns="91440" bIns="45720" numCol="1" anchor="ctr" anchorCtr="0" compatLnSpc="1">
+            <a:prstTxWarp prst="textNoShape">
+              <a:avLst/>
+            </a:prstTxWarp>
+            <a:spAutoFit/>
+          </a:bodyPr>
+          <a:lstStyle/>
+          <a:p>
+            <a:pPr marL="0" marR="0" lvl="0" indent="0" algn="l" defTabSz="914400" rtl="0" eaLnBrk="0" fontAlgn="base" latinLnBrk="0" hangingPunct="0">
+              <a:lnSpc>
+                <a:spcPct val="100000"/>
+              </a:lnSpc>
+              <a:spcBef>
+                <a:spcPct val="0"/>
+              </a:spcBef>
+              <a:spcAft>
+                <a:spcPct val="0"/>
+              </a:spcAft>
+              <a:buClrTx/>
+              <a:buSzTx/>
+              <a:tabLst/>
+            </a:pPr>
+            <a:endParaRPr kumimoji="0" lang="en-US" altLang="en-US" sz="1800" b="0" i="0" u="none" strike="noStrike" cap="none" normalizeH="0" baseline="0" dirty="0">
+              <a:ln>
+                <a:noFill/>
+              </a:ln>
+              <a:solidFill>
+                <a:schemeClr val="tx1"/>
+              </a:solidFill>
+              <a:effectLst/>
+              <a:latin typeface="Arial" panose="020B0604020202020204" pitchFamily="34" charset="0"/>
+            </a:endParaRPr>
+          </a:p>
+          <a:p>
+            <a:pPr marL="0" marR="0" lvl="0" indent="0" algn="l" defTabSz="914400" rtl="0" eaLnBrk="0" fontAlgn="base" latinLnBrk="0" hangingPunct="0">
+              <a:lnSpc>
+                <a:spcPct val="100000"/>
+              </a:lnSpc>
+              <a:spcBef>
+                <a:spcPct val="0"/>
+              </a:spcBef>
+              <a:spcAft>
+                <a:spcPct val="0"/>
+              </a:spcAft>
+              <a:buClrTx/>
+              <a:buSzTx/>
+              <a:buFontTx/>
+              <a:buChar char="•"/>
+              <a:tabLst/>
+            </a:pPr>
+            <a:endParaRPr kumimoji="0" lang="en-US" altLang="en-US" sz="1800" b="0" i="0" u="none" strike="noStrike" cap="none" normalizeH="0" baseline="0" dirty="0">
+              <a:ln>
+                <a:noFill/>
+              </a:ln>
+              <a:solidFill>
+                <a:schemeClr val="tx1"/>
+              </a:solidFill>
+              <a:effectLst/>
+              <a:latin typeface="Arial" panose="020B0604020202020204" pitchFamily="34" charset="0"/>
+            </a:endParaRPr>
+          </a:p>
+        </p:txBody>
+      </p:sp>
+      <p:sp>
+        <p:nvSpPr>
+          <p:cNvPr id="8" name="TextBox 7">
+            <a:extLst>
+              <a:ext uri="{FF2B5EF4-FFF2-40B4-BE49-F238E27FC236}">
+                <a16:creationId xmlns:a16="http://schemas.microsoft.com/office/drawing/2014/main" id="{6764C94B-DD76-0696-4A8F-4EF9F0AB1E6C}"/>
+              </a:ext>
+            </a:extLst>
+          </p:cNvPr>
+          <p:cNvSpPr txBox="1"/>
+          <p:nvPr/>
+        </p:nvSpPr>
+        <p:spPr>
+          <a:xfrm>
+            <a:off x="2736130" y="3429000"/>
+            <a:ext cx="4586140" cy="369332"/>
+          </a:xfrm>
+          <a:prstGeom prst="rect">
+            <a:avLst/>
+          </a:prstGeom>
+          <a:noFill/>
+        </p:spPr>
+        <p:txBody>
+          <a:bodyPr wrap="square">
+            <a:spAutoFit/>
+          </a:bodyPr>
+          <a:lstStyle/>
+          <a:p>
+            <a:r>
+              <a:rPr lang="en-US" dirty="0">
+                <a:solidFill>
+                  <a:schemeClr val="tx1">
+                    <a:alpha val="30000"/>
+                  </a:schemeClr>
+                </a:solidFill>
+              </a:rPr>
+              <a:t>Made by Rudra Shivhare</a:t>
+            </a:r>
+            <a:endParaRPr lang="en-IN" dirty="0">
+              <a:solidFill>
+                <a:schemeClr val="tx1">
+                  <a:alpha val="30000"/>
+                </a:schemeClr>
+              </a:solidFill>
+            </a:endParaRPr>
+          </a:p>
+        </p:txBody>
+      </p:sp>
+    </p:spTree>
+  </p:cSld>
+  <p:clrMapOvr>
+    <a:masterClrMapping/>
+  </p:clrMapOvr>
+</p:sld>
+</file>
+
+<file path=ppt/slides/slide11.xml><?xml version="1.0" encoding="utf-8"?>
+<p:sld xmlns:a="http://schemas.openxmlformats.org/drawingml/2006/main" xmlns:r="http://schemas.openxmlformats.org/officeDocument/2006/relationships" xmlns:p="http://schemas.openxmlformats.org/presentationml/2006/main">
+  <p:cSld>
+    <p:spTree>
+      <p:nvGrpSpPr>
+        <p:cNvPr id="1" name=""/>
+        <p:cNvGrpSpPr/>
+        <p:nvPr/>
+      </p:nvGrpSpPr>
+      <p:grpSpPr>
+        <a:xfrm>
+          <a:off x="0" y="0"/>
+          <a:ext cx="0" cy="0"/>
+          <a:chOff x="0" y="0"/>
+          <a:chExt cx="0" cy="0"/>
+        </a:xfrm>
+      </p:grpSpPr>
+      <p:sp>
+        <p:nvSpPr>
+          <p:cNvPr id="2" name="Title 1"/>
+          <p:cNvSpPr>
+            <a:spLocks noGrp="1"/>
+          </p:cNvSpPr>
+          <p:nvPr>
+            <p:ph type="title"/>
+          </p:nvPr>
+        </p:nvSpPr>
+        <p:spPr/>
+        <p:txBody>
+          <a:bodyPr/>
+          <a:lstStyle/>
+          <a:p>
+            <a:r>
+              <a:rPr dirty="0"/>
+              <a:t>Conclusion</a:t>
+            </a:r>
+          </a:p>
+        </p:txBody>
+      </p:sp>
+      <p:sp>
+        <p:nvSpPr>
+          <p:cNvPr id="3" name="Content Placeholder 2"/>
+          <p:cNvSpPr>
+            <a:spLocks noGrp="1"/>
+          </p:cNvSpPr>
+          <p:nvPr>
+            <p:ph idx="1"/>
+          </p:nvPr>
+        </p:nvSpPr>
+        <p:spPr/>
+        <p:txBody>
+          <a:bodyPr/>
+          <a:lstStyle/>
+          <a:p>
+            <a:pPr marL="0" indent="0">
+              <a:buNone/>
+            </a:pPr>
+            <a:endParaRPr lang="en-US" dirty="0"/>
+          </a:p>
+          <a:p>
+            <a:r>
+              <a:rPr lang="en-US" dirty="0"/>
+              <a:t>E-waste poses significant environmental and health risks due to its toxic components and increasing volume. Effective management through reduction, reuse, recycling, and adoption of non-toxic extraction methods is crucial for mitigating these impacts and promoting sustainability.</a:t>
+            </a:r>
+          </a:p>
+          <a:p>
+            <a:endParaRPr dirty="0"/>
+          </a:p>
+        </p:txBody>
+      </p:sp>
+      <p:sp>
+        <p:nvSpPr>
+          <p:cNvPr id="5" name="TextBox 4">
+            <a:extLst>
+              <a:ext uri="{FF2B5EF4-FFF2-40B4-BE49-F238E27FC236}">
+                <a16:creationId xmlns:a16="http://schemas.microsoft.com/office/drawing/2014/main" id="{FA1EEEBF-6B7E-EAB9-8F67-85D0E4D9F6F5}"/>
+              </a:ext>
+            </a:extLst>
+          </p:cNvPr>
+          <p:cNvSpPr txBox="1"/>
+          <p:nvPr/>
+        </p:nvSpPr>
+        <p:spPr>
+          <a:xfrm>
+            <a:off x="841342" y="1676163"/>
+            <a:ext cx="4586140" cy="369332"/>
+          </a:xfrm>
+          <a:prstGeom prst="rect">
+            <a:avLst/>
+          </a:prstGeom>
+          <a:noFill/>
+        </p:spPr>
+        <p:txBody>
+          <a:bodyPr wrap="square">
+            <a:spAutoFit/>
+          </a:bodyPr>
+          <a:lstStyle/>
+          <a:p>
+            <a:r>
+              <a:rPr lang="en-US" dirty="0">
+                <a:solidFill>
+                  <a:schemeClr val="tx1">
+                    <a:alpha val="41000"/>
+                  </a:schemeClr>
+                </a:solidFill>
+              </a:rPr>
+              <a:t>Made by Rudra Shivhare</a:t>
+            </a:r>
+            <a:endParaRPr lang="en-IN" dirty="0">
+              <a:solidFill>
+                <a:schemeClr val="tx1">
+                  <a:alpha val="41000"/>
+                </a:schemeClr>
+              </a:solidFill>
+            </a:endParaRPr>
+          </a:p>
+        </p:txBody>
+      </p:sp>
+    </p:spTree>
+  </p:cSld>
+  <p:clrMapOvr>
+    <a:masterClrMapping/>
+  </p:clrMapOvr>
+</p:sld>
+</file>
+
+<file path=ppt/slides/slide12.xml><?xml version="1.0" encoding="utf-8"?>
+<p:sld xmlns:a="http://schemas.openxmlformats.org/drawingml/2006/main" xmlns:r="http://schemas.openxmlformats.org/officeDocument/2006/relationships" xmlns:p="http://schemas.openxmlformats.org/presentationml/2006/main">
+  <p:cSld>
+    <p:spTree>
+      <p:nvGrpSpPr>
+        <p:cNvPr id="1" name=""/>
+        <p:cNvGrpSpPr/>
+        <p:nvPr/>
+      </p:nvGrpSpPr>
+      <p:grpSpPr>
+        <a:xfrm>
+          <a:off x="0" y="0"/>
+          <a:ext cx="0" cy="0"/>
+          <a:chOff x="0" y="0"/>
+          <a:chExt cx="0" cy="0"/>
+        </a:xfrm>
+      </p:grpSpPr>
+      <p:sp>
+        <p:nvSpPr>
+          <p:cNvPr id="2" name="Title 1">
+            <a:extLst>
+              <a:ext uri="{FF2B5EF4-FFF2-40B4-BE49-F238E27FC236}">
+                <a16:creationId xmlns:a16="http://schemas.microsoft.com/office/drawing/2014/main" id="{4299ED88-CEE5-D60D-EC22-CFF9E72F22DD}"/>
+              </a:ext>
+            </a:extLst>
+          </p:cNvPr>
+          <p:cNvSpPr>
+            <a:spLocks noGrp="1"/>
+          </p:cNvSpPr>
+          <p:nvPr>
+            <p:ph type="title"/>
+          </p:nvPr>
+        </p:nvSpPr>
+        <p:spPr/>
+        <p:txBody>
+          <a:bodyPr/>
+          <a:lstStyle/>
+          <a:p>
+            <a:pPr algn="ctr"/>
+            <a:r>
+              <a:rPr lang="en-US" dirty="0"/>
+              <a:t>Thank You</a:t>
+            </a:r>
+            <a:endParaRPr lang="en-IN" dirty="0"/>
+          </a:p>
+        </p:txBody>
+      </p:sp>
+      <p:sp>
+        <p:nvSpPr>
+          <p:cNvPr id="3" name="Text Placeholder 2">
+            <a:extLst>
+              <a:ext uri="{FF2B5EF4-FFF2-40B4-BE49-F238E27FC236}">
+                <a16:creationId xmlns:a16="http://schemas.microsoft.com/office/drawing/2014/main" id="{DEEFC75A-B472-A946-26B0-A771243A92FB}"/>
+              </a:ext>
+            </a:extLst>
+          </p:cNvPr>
+          <p:cNvSpPr>
+            <a:spLocks noGrp="1"/>
+          </p:cNvSpPr>
+          <p:nvPr>
+            <p:ph type="body" idx="1"/>
+          </p:nvPr>
+        </p:nvSpPr>
+        <p:spPr/>
+        <p:txBody>
+          <a:bodyPr/>
+          <a:lstStyle/>
+          <a:p>
+            <a:pPr algn="ctr"/>
+            <a:r>
+              <a:rPr lang="en-US" dirty="0"/>
+              <a:t>Made by Rudra Shivhare</a:t>
+            </a:r>
+            <a:endParaRPr lang="en-IN" dirty="0"/>
+          </a:p>
+        </p:txBody>
+      </p:sp>
+    </p:spTree>
+    <p:extLst>
+      <p:ext uri="{BB962C8B-B14F-4D97-AF65-F5344CB8AC3E}">
+        <p14:creationId xmlns:p14="http://schemas.microsoft.com/office/powerpoint/2010/main" val="2845699491"/>
+      </p:ext>
+    </p:extLst>
+  </p:cSld>
+  <p:clrMapOvr>
+    <a:masterClrMapping/>
+  </p:clrMapOvr>
+</p:sld>
+</file>
+
 <file path=ppt/slides/slide2.xml><?xml version="1.0" encoding="utf-8"?>
 <p:sld xmlns:a="http://schemas.openxmlformats.org/drawingml/2006/main" xmlns:r="http://schemas.openxmlformats.org/officeDocument/2006/relationships" xmlns:p="http://schemas.openxmlformats.org/presentationml/2006/main">
   <p:cSld>
@@ -6720,6 +9585,345 @@
 </file>
 
 <file path=ppt/slides/slide4.xml><?xml version="1.0" encoding="utf-8"?>
+<p:sld xmlns:a="http://schemas.openxmlformats.org/drawingml/2006/main" xmlns:r="http://schemas.openxmlformats.org/officeDocument/2006/relationships" xmlns:p="http://schemas.openxmlformats.org/presentationml/2006/main">
+  <p:cSld>
+    <p:spTree>
+      <p:nvGrpSpPr>
+        <p:cNvPr id="1" name=""/>
+        <p:cNvGrpSpPr/>
+        <p:nvPr/>
+      </p:nvGrpSpPr>
+      <p:grpSpPr>
+        <a:xfrm>
+          <a:off x="0" y="0"/>
+          <a:ext cx="0" cy="0"/>
+          <a:chOff x="0" y="0"/>
+          <a:chExt cx="0" cy="0"/>
+        </a:xfrm>
+      </p:grpSpPr>
+      <p:sp>
+        <p:nvSpPr>
+          <p:cNvPr id="2" name="Title 1">
+            <a:extLst>
+              <a:ext uri="{FF2B5EF4-FFF2-40B4-BE49-F238E27FC236}">
+                <a16:creationId xmlns:a16="http://schemas.microsoft.com/office/drawing/2014/main" id="{A966328F-46F4-9832-1BD2-CF5A8A3AE3AD}"/>
+              </a:ext>
+            </a:extLst>
+          </p:cNvPr>
+          <p:cNvSpPr>
+            <a:spLocks noGrp="1"/>
+          </p:cNvSpPr>
+          <p:nvPr>
+            <p:ph type="title"/>
+          </p:nvPr>
+        </p:nvSpPr>
+        <p:spPr/>
+        <p:txBody>
+          <a:bodyPr/>
+          <a:lstStyle/>
+          <a:p>
+            <a:r>
+              <a:rPr lang="en-IN" dirty="0"/>
+              <a:t>Way of Recycling E-waste</a:t>
+            </a:r>
+          </a:p>
+        </p:txBody>
+      </p:sp>
+      <p:graphicFrame>
+        <p:nvGraphicFramePr>
+          <p:cNvPr id="7" name="Content Placeholder 6">
+            <a:extLst>
+              <a:ext uri="{FF2B5EF4-FFF2-40B4-BE49-F238E27FC236}">
+                <a16:creationId xmlns:a16="http://schemas.microsoft.com/office/drawing/2014/main" id="{3D049482-C02A-5AE8-5566-2593F854E52A}"/>
+              </a:ext>
+            </a:extLst>
+          </p:cNvPr>
+          <p:cNvGraphicFramePr>
+            <a:graphicFrameLocks noGrp="1"/>
+          </p:cNvGraphicFramePr>
+          <p:nvPr>
+            <p:ph idx="1"/>
+            <p:extLst>
+              <p:ext uri="{D42A27DB-BD31-4B8C-83A1-F6EECF244321}">
+                <p14:modId xmlns:p14="http://schemas.microsoft.com/office/powerpoint/2010/main" val="292175981"/>
+              </p:ext>
+            </p:extLst>
+          </p:nvPr>
+        </p:nvGraphicFramePr>
+        <p:xfrm>
+          <a:off x="609600" y="2160588"/>
+          <a:ext cx="6348413" cy="3881437"/>
+        </p:xfrm>
+        <a:graphic>
+          <a:graphicData uri="http://schemas.openxmlformats.org/drawingml/2006/diagram">
+            <dgm:relIds xmlns:dgm="http://schemas.openxmlformats.org/drawingml/2006/diagram" xmlns:r="http://schemas.openxmlformats.org/officeDocument/2006/relationships" r:dm="rId2" r:lo="rId3" r:qs="rId4" r:cs="rId5"/>
+          </a:graphicData>
+        </a:graphic>
+      </p:graphicFrame>
+    </p:spTree>
+    <p:extLst>
+      <p:ext uri="{BB962C8B-B14F-4D97-AF65-F5344CB8AC3E}">
+        <p14:creationId xmlns:p14="http://schemas.microsoft.com/office/powerpoint/2010/main" val="3322786182"/>
+      </p:ext>
+    </p:extLst>
+  </p:cSld>
+  <p:clrMapOvr>
+    <a:masterClrMapping/>
+  </p:clrMapOvr>
+</p:sld>
+</file>
+
+<file path=ppt/slides/slide5.xml><?xml version="1.0" encoding="utf-8"?>
+<p:sld xmlns:a="http://schemas.openxmlformats.org/drawingml/2006/main" xmlns:r="http://schemas.openxmlformats.org/officeDocument/2006/relationships" xmlns:p="http://schemas.openxmlformats.org/presentationml/2006/main">
+  <p:cSld>
+    <p:spTree>
+      <p:nvGrpSpPr>
+        <p:cNvPr id="1" name=""/>
+        <p:cNvGrpSpPr/>
+        <p:nvPr/>
+      </p:nvGrpSpPr>
+      <p:grpSpPr>
+        <a:xfrm>
+          <a:off x="0" y="0"/>
+          <a:ext cx="0" cy="0"/>
+          <a:chOff x="0" y="0"/>
+          <a:chExt cx="0" cy="0"/>
+        </a:xfrm>
+      </p:grpSpPr>
+      <p:sp>
+        <p:nvSpPr>
+          <p:cNvPr id="2" name="Title 1">
+            <a:extLst>
+              <a:ext uri="{FF2B5EF4-FFF2-40B4-BE49-F238E27FC236}">
+                <a16:creationId xmlns:a16="http://schemas.microsoft.com/office/drawing/2014/main" id="{8AE84679-7474-FEA7-AF3F-7B7773DC9971}"/>
+              </a:ext>
+            </a:extLst>
+          </p:cNvPr>
+          <p:cNvSpPr>
+            <a:spLocks noGrp="1"/>
+          </p:cNvSpPr>
+          <p:nvPr>
+            <p:ph type="title"/>
+          </p:nvPr>
+        </p:nvSpPr>
+        <p:spPr/>
+        <p:txBody>
+          <a:bodyPr/>
+          <a:lstStyle/>
+          <a:p>
+            <a:r>
+              <a:rPr lang="en-IN" dirty="0"/>
+              <a:t>Physical Recycling</a:t>
+            </a:r>
+          </a:p>
+        </p:txBody>
+      </p:sp>
+      <p:sp>
+        <p:nvSpPr>
+          <p:cNvPr id="3" name="Content Placeholder 2">
+            <a:extLst>
+              <a:ext uri="{FF2B5EF4-FFF2-40B4-BE49-F238E27FC236}">
+                <a16:creationId xmlns:a16="http://schemas.microsoft.com/office/drawing/2014/main" id="{7C19C7B3-CE63-15C8-E836-F9EF88CE7C6A}"/>
+              </a:ext>
+            </a:extLst>
+          </p:cNvPr>
+          <p:cNvSpPr>
+            <a:spLocks noGrp="1"/>
+          </p:cNvSpPr>
+          <p:nvPr>
+            <p:ph idx="1"/>
+          </p:nvPr>
+        </p:nvSpPr>
+        <p:spPr/>
+        <p:txBody>
+          <a:bodyPr/>
+          <a:lstStyle/>
+          <a:p>
+            <a:r>
+              <a:rPr lang="en-IN" dirty="0"/>
+              <a:t>Also known as </a:t>
+            </a:r>
+            <a:r>
+              <a:rPr lang="en-IN" dirty="0" err="1"/>
+              <a:t>Mechenical</a:t>
+            </a:r>
+            <a:r>
+              <a:rPr lang="en-IN" dirty="0"/>
+              <a:t> Recycling.</a:t>
+            </a:r>
+            <a:r>
+              <a:rPr lang="en-US" dirty="0"/>
+              <a:t> Physical recycling involves dismantling and shredding e-waste to separate components like metals and plastics. Techniques such as magnetic and optical sorting are used to recover valuable materials. This method ensures efficient material separation and recycling.</a:t>
+            </a:r>
+          </a:p>
+          <a:p>
+            <a:pPr marL="0" indent="0">
+              <a:buNone/>
+            </a:pPr>
+            <a:endParaRPr lang="en-IN" dirty="0"/>
+          </a:p>
+        </p:txBody>
+      </p:sp>
+      <p:pic>
+        <p:nvPicPr>
+          <p:cNvPr id="5" name="Picture 4">
+            <a:extLst>
+              <a:ext uri="{FF2B5EF4-FFF2-40B4-BE49-F238E27FC236}">
+                <a16:creationId xmlns:a16="http://schemas.microsoft.com/office/drawing/2014/main" id="{8F343AD9-15AA-A880-8B04-57E5F9FF52A5}"/>
+              </a:ext>
+            </a:extLst>
+          </p:cNvPr>
+          <p:cNvPicPr>
+            <a:picLocks noChangeAspect="1"/>
+          </p:cNvPicPr>
+          <p:nvPr/>
+        </p:nvPicPr>
+        <p:blipFill>
+          <a:blip r:embed="rId2"/>
+          <a:stretch>
+            <a:fillRect/>
+          </a:stretch>
+        </p:blipFill>
+        <p:spPr>
+          <a:xfrm>
+            <a:off x="754144" y="4298622"/>
+            <a:ext cx="1762545" cy="1168923"/>
+          </a:xfrm>
+          <a:prstGeom prst="rect">
+            <a:avLst/>
+          </a:prstGeom>
+        </p:spPr>
+      </p:pic>
+    </p:spTree>
+    <p:extLst>
+      <p:ext uri="{BB962C8B-B14F-4D97-AF65-F5344CB8AC3E}">
+        <p14:creationId xmlns:p14="http://schemas.microsoft.com/office/powerpoint/2010/main" val="4273266085"/>
+      </p:ext>
+    </p:extLst>
+  </p:cSld>
+  <p:clrMapOvr>
+    <a:masterClrMapping/>
+  </p:clrMapOvr>
+</p:sld>
+</file>
+
+<file path=ppt/slides/slide6.xml><?xml version="1.0" encoding="utf-8"?>
+<p:sld xmlns:a="http://schemas.openxmlformats.org/drawingml/2006/main" xmlns:r="http://schemas.openxmlformats.org/officeDocument/2006/relationships" xmlns:p="http://schemas.openxmlformats.org/presentationml/2006/main">
+  <p:cSld>
+    <p:spTree>
+      <p:nvGrpSpPr>
+        <p:cNvPr id="1" name=""/>
+        <p:cNvGrpSpPr/>
+        <p:nvPr/>
+      </p:nvGrpSpPr>
+      <p:grpSpPr>
+        <a:xfrm>
+          <a:off x="0" y="0"/>
+          <a:ext cx="0" cy="0"/>
+          <a:chOff x="0" y="0"/>
+          <a:chExt cx="0" cy="0"/>
+        </a:xfrm>
+      </p:grpSpPr>
+      <p:sp>
+        <p:nvSpPr>
+          <p:cNvPr id="2" name="Title 1">
+            <a:extLst>
+              <a:ext uri="{FF2B5EF4-FFF2-40B4-BE49-F238E27FC236}">
+                <a16:creationId xmlns:a16="http://schemas.microsoft.com/office/drawing/2014/main" id="{2B445783-79BA-796C-B802-FEA35D870410}"/>
+              </a:ext>
+            </a:extLst>
+          </p:cNvPr>
+          <p:cNvSpPr>
+            <a:spLocks noGrp="1"/>
+          </p:cNvSpPr>
+          <p:nvPr>
+            <p:ph type="title"/>
+          </p:nvPr>
+        </p:nvSpPr>
+        <p:spPr/>
+        <p:txBody>
+          <a:bodyPr/>
+          <a:lstStyle/>
+          <a:p>
+            <a:r>
+              <a:rPr lang="en-IN" dirty="0"/>
+              <a:t>Chemical Recycling</a:t>
+            </a:r>
+          </a:p>
+        </p:txBody>
+      </p:sp>
+      <p:sp>
+        <p:nvSpPr>
+          <p:cNvPr id="3" name="Content Placeholder 2">
+            <a:extLst>
+              <a:ext uri="{FF2B5EF4-FFF2-40B4-BE49-F238E27FC236}">
+                <a16:creationId xmlns:a16="http://schemas.microsoft.com/office/drawing/2014/main" id="{38ABB194-E267-98E9-EB37-9BC69739D824}"/>
+              </a:ext>
+            </a:extLst>
+          </p:cNvPr>
+          <p:cNvSpPr>
+            <a:spLocks noGrp="1"/>
+          </p:cNvSpPr>
+          <p:nvPr>
+            <p:ph idx="1"/>
+          </p:nvPr>
+        </p:nvSpPr>
+        <p:spPr/>
+        <p:txBody>
+          <a:bodyPr/>
+          <a:lstStyle/>
+          <a:p>
+            <a:r>
+              <a:rPr lang="en-IN" dirty="0"/>
+              <a:t>Also known as Metallurgical recycling. Chemical recycling uses chemical processes to recover metals from e-waste. Methods like pyrometallurgical processing (high-temperature melting) and hydrometallurgical processing (chemical dissolution) extract valuable metals such as gold, silver, and copper. These techniques maximize material recovery while minimizing environmental impact.</a:t>
+            </a:r>
+          </a:p>
+        </p:txBody>
+      </p:sp>
+      <p:pic>
+        <p:nvPicPr>
+          <p:cNvPr id="8" name="Picture 7">
+            <a:extLst>
+              <a:ext uri="{FF2B5EF4-FFF2-40B4-BE49-F238E27FC236}">
+                <a16:creationId xmlns:a16="http://schemas.microsoft.com/office/drawing/2014/main" id="{3ACAFD8D-F173-D0C3-FC4D-86CA37DA057C}"/>
+              </a:ext>
+            </a:extLst>
+          </p:cNvPr>
+          <p:cNvPicPr>
+            <a:picLocks noChangeAspect="1"/>
+          </p:cNvPicPr>
+          <p:nvPr/>
+        </p:nvPicPr>
+        <p:blipFill>
+          <a:blip r:embed="rId2"/>
+          <a:stretch>
+            <a:fillRect/>
+          </a:stretch>
+        </p:blipFill>
+        <p:spPr>
+          <a:xfrm>
+            <a:off x="609599" y="4918396"/>
+            <a:ext cx="2282480" cy="1122967"/>
+          </a:xfrm>
+          <a:prstGeom prst="rect">
+            <a:avLst/>
+          </a:prstGeom>
+        </p:spPr>
+      </p:pic>
+    </p:spTree>
+    <p:extLst>
+      <p:ext uri="{BB962C8B-B14F-4D97-AF65-F5344CB8AC3E}">
+        <p14:creationId xmlns:p14="http://schemas.microsoft.com/office/powerpoint/2010/main" val="2878170183"/>
+      </p:ext>
+    </p:extLst>
+  </p:cSld>
+  <p:clrMapOvr>
+    <a:masterClrMapping/>
+  </p:clrMapOvr>
+</p:sld>
+</file>
+
+<file path=ppt/slides/slide7.xml><?xml version="1.0" encoding="utf-8"?>
 <p:sld xmlns:a="http://schemas.openxmlformats.org/drawingml/2006/main" xmlns:r="http://schemas.openxmlformats.org/officeDocument/2006/relationships" xmlns:p="http://schemas.openxmlformats.org/presentationml/2006/main">
   <p:cSld>
     <p:spTree>
@@ -6979,7 +10183,7 @@
 </p:sld>
 </file>
 
-<file path=ppt/slides/slide5.xml><?xml version="1.0" encoding="utf-8"?>
+<file path=ppt/slides/slide8.xml><?xml version="1.0" encoding="utf-8"?>
 <p:sld xmlns:a="http://schemas.openxmlformats.org/drawingml/2006/main" xmlns:r="http://schemas.openxmlformats.org/officeDocument/2006/relationships" xmlns:p="http://schemas.openxmlformats.org/presentationml/2006/main">
   <p:cSld>
     <p:spTree>
@@ -7137,7 +10341,7 @@
 </p:sld>
 </file>
 
-<file path=ppt/slides/slide6.xml><?xml version="1.0" encoding="utf-8"?>
+<file path=ppt/slides/slide9.xml><?xml version="1.0" encoding="utf-8"?>
 <p:sld xmlns:a="http://schemas.openxmlformats.org/drawingml/2006/main" xmlns:r="http://schemas.openxmlformats.org/officeDocument/2006/relationships" xmlns:p="http://schemas.openxmlformats.org/presentationml/2006/main">
   <p:cSld>
     <p:bg>
@@ -7238,474 +10442,6 @@
         </p:txBody>
       </p:sp>
     </p:spTree>
-  </p:cSld>
-  <p:clrMapOvr>
-    <a:masterClrMapping/>
-  </p:clrMapOvr>
-</p:sld>
-</file>
-
-<file path=ppt/slides/slide7.xml><?xml version="1.0" encoding="utf-8"?>
-<p:sld xmlns:a="http://schemas.openxmlformats.org/drawingml/2006/main" xmlns:r="http://schemas.openxmlformats.org/officeDocument/2006/relationships" xmlns:p="http://schemas.openxmlformats.org/presentationml/2006/main">
-  <p:cSld>
-    <p:spTree>
-      <p:nvGrpSpPr>
-        <p:cNvPr id="1" name=""/>
-        <p:cNvGrpSpPr/>
-        <p:nvPr/>
-      </p:nvGrpSpPr>
-      <p:grpSpPr>
-        <a:xfrm>
-          <a:off x="0" y="0"/>
-          <a:ext cx="0" cy="0"/>
-          <a:chOff x="0" y="0"/>
-          <a:chExt cx="0" cy="0"/>
-        </a:xfrm>
-      </p:grpSpPr>
-      <p:sp>
-        <p:nvSpPr>
-          <p:cNvPr id="2" name="Title 1"/>
-          <p:cNvSpPr>
-            <a:spLocks noGrp="1"/>
-          </p:cNvSpPr>
-          <p:nvPr>
-            <p:ph type="title"/>
-          </p:nvPr>
-        </p:nvSpPr>
-        <p:spPr/>
-        <p:txBody>
-          <a:bodyPr/>
-          <a:lstStyle/>
-          <a:p>
-            <a:r>
-              <a:rPr dirty="0"/>
-              <a:t>Non-Toxic Extraction Methods</a:t>
-            </a:r>
-          </a:p>
-        </p:txBody>
-      </p:sp>
-      <p:sp>
-        <p:nvSpPr>
-          <p:cNvPr id="3" name="Content Placeholder 2"/>
-          <p:cNvSpPr>
-            <a:spLocks noGrp="1"/>
-          </p:cNvSpPr>
-          <p:nvPr>
-            <p:ph idx="1"/>
-          </p:nvPr>
-        </p:nvSpPr>
-        <p:spPr/>
-        <p:txBody>
-          <a:bodyPr/>
-          <a:lstStyle/>
-          <a:p>
-            <a:r>
-              <a:rPr lang="en-US" b="1" dirty="0"/>
-              <a:t>Mechanical Separation</a:t>
-            </a:r>
-            <a:r>
-              <a:rPr lang="en-US" dirty="0"/>
-              <a:t>: Utilizing mechanical processes such as shredding, crushing, and sorting to separate different materials in e-waste. This method avoids the use of chemicals and minimizes the generation of hazardous by-products.</a:t>
-            </a:r>
-          </a:p>
-          <a:p>
-            <a:r>
-              <a:rPr lang="en-US" b="1" dirty="0"/>
-              <a:t>Green Chemistry Principles</a:t>
-            </a:r>
-            <a:r>
-              <a:rPr lang="en-US" dirty="0"/>
-              <a:t>: Designing extraction processes following green chemistry principles such as minimizing waste, using safer solvents, and maximizing efficiency to reduce environmental impact.</a:t>
-            </a:r>
-            <a:endParaRPr dirty="0"/>
-          </a:p>
-        </p:txBody>
-      </p:sp>
-      <p:sp>
-        <p:nvSpPr>
-          <p:cNvPr id="5" name="Rectangle 2">
-            <a:extLst>
-              <a:ext uri="{FF2B5EF4-FFF2-40B4-BE49-F238E27FC236}">
-                <a16:creationId xmlns:a16="http://schemas.microsoft.com/office/drawing/2014/main" id="{476942CE-47F7-F4DD-F0C1-9EC7F9FADE03}"/>
-              </a:ext>
-            </a:extLst>
-          </p:cNvPr>
-          <p:cNvSpPr>
-            <a:spLocks noChangeArrowheads="1"/>
-          </p:cNvSpPr>
-          <p:nvPr/>
-        </p:nvSpPr>
-        <p:spPr bwMode="auto">
-          <a:xfrm>
-            <a:off x="152400" y="-170765"/>
-            <a:ext cx="264816" cy="646331"/>
-          </a:xfrm>
-          <a:prstGeom prst="rect">
-            <a:avLst/>
-          </a:prstGeom>
-          <a:noFill/>
-          <a:ln>
-            <a:noFill/>
-          </a:ln>
-          <a:effectLst/>
-          <a:extLst>
-            <a:ext uri="{909E8E84-426E-40DD-AFC4-6F175D3DCCD1}">
-              <a14:hiddenFill xmlns:a14="http://schemas.microsoft.com/office/drawing/2010/main">
-                <a:solidFill>
-                  <a:schemeClr val="accent1"/>
-                </a:solidFill>
-              </a14:hiddenFill>
-            </a:ext>
-            <a:ext uri="{91240B29-F687-4F45-9708-019B960494DF}">
-              <a14:hiddenLine xmlns:a14="http://schemas.microsoft.com/office/drawing/2010/main" w="9525">
-                <a:solidFill>
-                  <a:schemeClr val="tx1"/>
-                </a:solidFill>
-                <a:miter lim="800000"/>
-                <a:headEnd/>
-                <a:tailEnd/>
-              </a14:hiddenLine>
-            </a:ext>
-            <a:ext uri="{AF507438-7753-43E0-B8FC-AC1667EBCBE1}">
-              <a14:hiddenEffects xmlns:a14="http://schemas.microsoft.com/office/drawing/2010/main">
-                <a:effectLst>
-                  <a:outerShdw dist="35921" dir="2700000" algn="ctr" rotWithShape="0">
-                    <a:schemeClr val="bg2"/>
-                  </a:outerShdw>
-                </a:effectLst>
-              </a14:hiddenEffects>
-            </a:ext>
-          </a:extLst>
-        </p:spPr>
-        <p:txBody>
-          <a:bodyPr vert="horz" wrap="none" lIns="91440" tIns="45720" rIns="91440" bIns="45720" numCol="1" anchor="ctr" anchorCtr="0" compatLnSpc="1">
-            <a:prstTxWarp prst="textNoShape">
-              <a:avLst/>
-            </a:prstTxWarp>
-            <a:spAutoFit/>
-          </a:bodyPr>
-          <a:lstStyle/>
-          <a:p>
-            <a:pPr marL="0" marR="0" lvl="0" indent="0" algn="l" defTabSz="914400" rtl="0" eaLnBrk="0" fontAlgn="base" latinLnBrk="0" hangingPunct="0">
-              <a:lnSpc>
-                <a:spcPct val="100000"/>
-              </a:lnSpc>
-              <a:spcBef>
-                <a:spcPct val="0"/>
-              </a:spcBef>
-              <a:spcAft>
-                <a:spcPct val="0"/>
-              </a:spcAft>
-              <a:buClrTx/>
-              <a:buSzTx/>
-              <a:tabLst/>
-            </a:pPr>
-            <a:endParaRPr kumimoji="0" lang="en-US" altLang="en-US" sz="1800" b="0" i="0" u="none" strike="noStrike" cap="none" normalizeH="0" baseline="0" dirty="0">
-              <a:ln>
-                <a:noFill/>
-              </a:ln>
-              <a:solidFill>
-                <a:schemeClr val="tx1"/>
-              </a:solidFill>
-              <a:effectLst/>
-              <a:latin typeface="Arial" panose="020B0604020202020204" pitchFamily="34" charset="0"/>
-            </a:endParaRPr>
-          </a:p>
-          <a:p>
-            <a:pPr marL="0" marR="0" lvl="0" indent="0" algn="l" defTabSz="914400" rtl="0" eaLnBrk="0" fontAlgn="base" latinLnBrk="0" hangingPunct="0">
-              <a:lnSpc>
-                <a:spcPct val="100000"/>
-              </a:lnSpc>
-              <a:spcBef>
-                <a:spcPct val="0"/>
-              </a:spcBef>
-              <a:spcAft>
-                <a:spcPct val="0"/>
-              </a:spcAft>
-              <a:buClrTx/>
-              <a:buSzTx/>
-              <a:buFontTx/>
-              <a:buChar char="•"/>
-              <a:tabLst/>
-            </a:pPr>
-            <a:endParaRPr kumimoji="0" lang="en-US" altLang="en-US" sz="1800" b="0" i="0" u="none" strike="noStrike" cap="none" normalizeH="0" baseline="0" dirty="0">
-              <a:ln>
-                <a:noFill/>
-              </a:ln>
-              <a:solidFill>
-                <a:schemeClr val="tx1"/>
-              </a:solidFill>
-              <a:effectLst/>
-              <a:latin typeface="Arial" panose="020B0604020202020204" pitchFamily="34" charset="0"/>
-            </a:endParaRPr>
-          </a:p>
-        </p:txBody>
-      </p:sp>
-      <p:sp>
-        <p:nvSpPr>
-          <p:cNvPr id="8" name="TextBox 7">
-            <a:extLst>
-              <a:ext uri="{FF2B5EF4-FFF2-40B4-BE49-F238E27FC236}">
-                <a16:creationId xmlns:a16="http://schemas.microsoft.com/office/drawing/2014/main" id="{6764C94B-DD76-0696-4A8F-4EF9F0AB1E6C}"/>
-              </a:ext>
-            </a:extLst>
-          </p:cNvPr>
-          <p:cNvSpPr txBox="1"/>
-          <p:nvPr/>
-        </p:nvSpPr>
-        <p:spPr>
-          <a:xfrm>
-            <a:off x="2736130" y="3429000"/>
-            <a:ext cx="4586140" cy="369332"/>
-          </a:xfrm>
-          <a:prstGeom prst="rect">
-            <a:avLst/>
-          </a:prstGeom>
-          <a:noFill/>
-        </p:spPr>
-        <p:txBody>
-          <a:bodyPr wrap="square">
-            <a:spAutoFit/>
-          </a:bodyPr>
-          <a:lstStyle/>
-          <a:p>
-            <a:r>
-              <a:rPr lang="en-US" dirty="0">
-                <a:solidFill>
-                  <a:schemeClr val="tx1">
-                    <a:alpha val="30000"/>
-                  </a:schemeClr>
-                </a:solidFill>
-              </a:rPr>
-              <a:t>Made by Rudra Shivhare</a:t>
-            </a:r>
-            <a:endParaRPr lang="en-IN" dirty="0">
-              <a:solidFill>
-                <a:schemeClr val="tx1">
-                  <a:alpha val="30000"/>
-                </a:schemeClr>
-              </a:solidFill>
-            </a:endParaRPr>
-          </a:p>
-        </p:txBody>
-      </p:sp>
-    </p:spTree>
-  </p:cSld>
-  <p:clrMapOvr>
-    <a:masterClrMapping/>
-  </p:clrMapOvr>
-</p:sld>
-</file>
-
-<file path=ppt/slides/slide8.xml><?xml version="1.0" encoding="utf-8"?>
-<p:sld xmlns:a="http://schemas.openxmlformats.org/drawingml/2006/main" xmlns:r="http://schemas.openxmlformats.org/officeDocument/2006/relationships" xmlns:p="http://schemas.openxmlformats.org/presentationml/2006/main">
-  <p:cSld>
-    <p:spTree>
-      <p:nvGrpSpPr>
-        <p:cNvPr id="1" name=""/>
-        <p:cNvGrpSpPr/>
-        <p:nvPr/>
-      </p:nvGrpSpPr>
-      <p:grpSpPr>
-        <a:xfrm>
-          <a:off x="0" y="0"/>
-          <a:ext cx="0" cy="0"/>
-          <a:chOff x="0" y="0"/>
-          <a:chExt cx="0" cy="0"/>
-        </a:xfrm>
-      </p:grpSpPr>
-      <p:sp>
-        <p:nvSpPr>
-          <p:cNvPr id="2" name="Title 1"/>
-          <p:cNvSpPr>
-            <a:spLocks noGrp="1"/>
-          </p:cNvSpPr>
-          <p:nvPr>
-            <p:ph type="title"/>
-          </p:nvPr>
-        </p:nvSpPr>
-        <p:spPr/>
-        <p:txBody>
-          <a:bodyPr/>
-          <a:lstStyle/>
-          <a:p>
-            <a:r>
-              <a:rPr dirty="0"/>
-              <a:t>Conclusion</a:t>
-            </a:r>
-          </a:p>
-        </p:txBody>
-      </p:sp>
-      <p:sp>
-        <p:nvSpPr>
-          <p:cNvPr id="3" name="Content Placeholder 2"/>
-          <p:cNvSpPr>
-            <a:spLocks noGrp="1"/>
-          </p:cNvSpPr>
-          <p:nvPr>
-            <p:ph idx="1"/>
-          </p:nvPr>
-        </p:nvSpPr>
-        <p:spPr/>
-        <p:txBody>
-          <a:bodyPr/>
-          <a:lstStyle/>
-          <a:p>
-            <a:pPr marL="0" indent="0">
-              <a:buNone/>
-            </a:pPr>
-            <a:endParaRPr lang="en-US" dirty="0"/>
-          </a:p>
-          <a:p>
-            <a:r>
-              <a:rPr lang="en-US" dirty="0"/>
-              <a:t>E-waste poses significant environmental and health risks due to its toxic components and increasing volume. Effective management through reduction, reuse, recycling, and adoption of non-toxic extraction methods is crucial for mitigating these impacts and promoting sustainability.</a:t>
-            </a:r>
-          </a:p>
-          <a:p>
-            <a:endParaRPr dirty="0"/>
-          </a:p>
-        </p:txBody>
-      </p:sp>
-      <p:sp>
-        <p:nvSpPr>
-          <p:cNvPr id="5" name="TextBox 4">
-            <a:extLst>
-              <a:ext uri="{FF2B5EF4-FFF2-40B4-BE49-F238E27FC236}">
-                <a16:creationId xmlns:a16="http://schemas.microsoft.com/office/drawing/2014/main" id="{FA1EEEBF-6B7E-EAB9-8F67-85D0E4D9F6F5}"/>
-              </a:ext>
-            </a:extLst>
-          </p:cNvPr>
-          <p:cNvSpPr txBox="1"/>
-          <p:nvPr/>
-        </p:nvSpPr>
-        <p:spPr>
-          <a:xfrm>
-            <a:off x="841342" y="1676163"/>
-            <a:ext cx="4586140" cy="369332"/>
-          </a:xfrm>
-          <a:prstGeom prst="rect">
-            <a:avLst/>
-          </a:prstGeom>
-          <a:noFill/>
-        </p:spPr>
-        <p:txBody>
-          <a:bodyPr wrap="square">
-            <a:spAutoFit/>
-          </a:bodyPr>
-          <a:lstStyle/>
-          <a:p>
-            <a:r>
-              <a:rPr lang="en-US" dirty="0">
-                <a:solidFill>
-                  <a:schemeClr val="tx1">
-                    <a:alpha val="41000"/>
-                  </a:schemeClr>
-                </a:solidFill>
-              </a:rPr>
-              <a:t>Made by Rudra Shivhare</a:t>
-            </a:r>
-            <a:endParaRPr lang="en-IN" dirty="0">
-              <a:solidFill>
-                <a:schemeClr val="tx1">
-                  <a:alpha val="41000"/>
-                </a:schemeClr>
-              </a:solidFill>
-            </a:endParaRPr>
-          </a:p>
-        </p:txBody>
-      </p:sp>
-    </p:spTree>
-  </p:cSld>
-  <p:clrMapOvr>
-    <a:masterClrMapping/>
-  </p:clrMapOvr>
-</p:sld>
-</file>
-
-<file path=ppt/slides/slide9.xml><?xml version="1.0" encoding="utf-8"?>
-<p:sld xmlns:a="http://schemas.openxmlformats.org/drawingml/2006/main" xmlns:r="http://schemas.openxmlformats.org/officeDocument/2006/relationships" xmlns:p="http://schemas.openxmlformats.org/presentationml/2006/main">
-  <p:cSld>
-    <p:spTree>
-      <p:nvGrpSpPr>
-        <p:cNvPr id="1" name=""/>
-        <p:cNvGrpSpPr/>
-        <p:nvPr/>
-      </p:nvGrpSpPr>
-      <p:grpSpPr>
-        <a:xfrm>
-          <a:off x="0" y="0"/>
-          <a:ext cx="0" cy="0"/>
-          <a:chOff x="0" y="0"/>
-          <a:chExt cx="0" cy="0"/>
-        </a:xfrm>
-      </p:grpSpPr>
-      <p:sp>
-        <p:nvSpPr>
-          <p:cNvPr id="2" name="Title 1">
-            <a:extLst>
-              <a:ext uri="{FF2B5EF4-FFF2-40B4-BE49-F238E27FC236}">
-                <a16:creationId xmlns:a16="http://schemas.microsoft.com/office/drawing/2014/main" id="{4299ED88-CEE5-D60D-EC22-CFF9E72F22DD}"/>
-              </a:ext>
-            </a:extLst>
-          </p:cNvPr>
-          <p:cNvSpPr>
-            <a:spLocks noGrp="1"/>
-          </p:cNvSpPr>
-          <p:nvPr>
-            <p:ph type="title"/>
-          </p:nvPr>
-        </p:nvSpPr>
-        <p:spPr/>
-        <p:txBody>
-          <a:bodyPr/>
-          <a:lstStyle/>
-          <a:p>
-            <a:pPr algn="ctr"/>
-            <a:r>
-              <a:rPr lang="en-US" dirty="0"/>
-              <a:t>Thank You</a:t>
-            </a:r>
-            <a:endParaRPr lang="en-IN" dirty="0"/>
-          </a:p>
-        </p:txBody>
-      </p:sp>
-      <p:sp>
-        <p:nvSpPr>
-          <p:cNvPr id="3" name="Text Placeholder 2">
-            <a:extLst>
-              <a:ext uri="{FF2B5EF4-FFF2-40B4-BE49-F238E27FC236}">
-                <a16:creationId xmlns:a16="http://schemas.microsoft.com/office/drawing/2014/main" id="{DEEFC75A-B472-A946-26B0-A771243A92FB}"/>
-              </a:ext>
-            </a:extLst>
-          </p:cNvPr>
-          <p:cNvSpPr>
-            <a:spLocks noGrp="1"/>
-          </p:cNvSpPr>
-          <p:nvPr>
-            <p:ph type="body" idx="1"/>
-          </p:nvPr>
-        </p:nvSpPr>
-        <p:spPr/>
-        <p:txBody>
-          <a:bodyPr/>
-          <a:lstStyle/>
-          <a:p>
-            <a:pPr algn="ctr"/>
-            <a:r>
-              <a:rPr lang="en-US" dirty="0"/>
-              <a:t>Made by Rudra Shivhare</a:t>
-            </a:r>
-            <a:endParaRPr lang="en-IN" dirty="0"/>
-          </a:p>
-        </p:txBody>
-      </p:sp>
-    </p:spTree>
-    <p:extLst>
-      <p:ext uri="{BB962C8B-B14F-4D97-AF65-F5344CB8AC3E}">
-        <p14:creationId xmlns:p14="http://schemas.microsoft.com/office/powerpoint/2010/main" val="2845699491"/>
-      </p:ext>
-    </p:extLst>
   </p:cSld>
   <p:clrMapOvr>
     <a:masterClrMapping/>

--- a/e-waste.pptx
+++ b/e-waste.pptx
@@ -139,7 +139,7 @@
   <pc:docChgLst>
     <pc:chgData name="rudra shivhare" userId="6820c723002916ee" providerId="LiveId" clId="{EFD2A882-90EB-4422-9E55-1A69A2833FE3}"/>
     <pc:docChg chg="undo custSel addSld delSld modSld sldOrd">
-      <pc:chgData name="rudra shivhare" userId="6820c723002916ee" providerId="LiveId" clId="{EFD2A882-90EB-4422-9E55-1A69A2833FE3}" dt="2024-08-07T16:55:35.394" v="1479" actId="1076"/>
+      <pc:chgData name="rudra shivhare" userId="6820c723002916ee" providerId="LiveId" clId="{EFD2A882-90EB-4422-9E55-1A69A2833FE3}" dt="2024-08-08T15:45:42.704" v="1564" actId="1076"/>
       <pc:docMkLst>
         <pc:docMk/>
       </pc:docMkLst>
@@ -421,8 +421,8 @@
           </ac:spMkLst>
         </pc:spChg>
       </pc:sldChg>
-      <pc:sldChg chg="modSp new mod">
-        <pc:chgData name="rudra shivhare" userId="6820c723002916ee" providerId="LiveId" clId="{EFD2A882-90EB-4422-9E55-1A69A2833FE3}" dt="2024-06-26T17:14:37.149" v="779" actId="122"/>
+      <pc:sldChg chg="del">
+        <pc:chgData name="rudra shivhare" userId="6820c723002916ee" providerId="LiveId" clId="{EFD2A882-90EB-4422-9E55-1A69A2833FE3}" dt="2024-06-26T17:08:57.518" v="60" actId="47"/>
         <pc:sldMkLst>
           <pc:docMk/>
           <pc:sldMk cId="2845699491" sldId="266"/>
@@ -444,15 +444,8 @@
           </ac:spMkLst>
         </pc:spChg>
       </pc:sldChg>
-      <pc:sldChg chg="del">
-        <pc:chgData name="rudra shivhare" userId="6820c723002916ee" providerId="LiveId" clId="{EFD2A882-90EB-4422-9E55-1A69A2833FE3}" dt="2024-06-26T17:08:57.518" v="60" actId="47"/>
-        <pc:sldMkLst>
-          <pc:docMk/>
-          <pc:sldMk cId="2845699491" sldId="266"/>
-        </pc:sldMkLst>
-      </pc:sldChg>
       <pc:sldChg chg="addSp delSp modSp new mod ord">
-        <pc:chgData name="rudra shivhare" userId="6820c723002916ee" providerId="LiveId" clId="{EFD2A882-90EB-4422-9E55-1A69A2833FE3}" dt="2024-08-07T16:46:13.308" v="1289"/>
+        <pc:chgData name="rudra shivhare" userId="6820c723002916ee" providerId="LiveId" clId="{EFD2A882-90EB-4422-9E55-1A69A2833FE3}" dt="2024-08-08T15:45:14.184" v="1559" actId="1076"/>
         <pc:sldMkLst>
           <pc:docMk/>
           <pc:sldMk cId="3322786182" sldId="267"/>
@@ -465,12 +458,28 @@
             <ac:spMk id="2" creationId="{A966328F-46F4-9832-1BD2-CF5A8A3AE3AD}"/>
           </ac:spMkLst>
         </pc:spChg>
+        <pc:spChg chg="add del mod">
+          <ac:chgData name="rudra shivhare" userId="6820c723002916ee" providerId="LiveId" clId="{EFD2A882-90EB-4422-9E55-1A69A2833FE3}" dt="2024-08-08T15:45:00.371" v="1557" actId="478"/>
+          <ac:spMkLst>
+            <pc:docMk/>
+            <pc:sldMk cId="3322786182" sldId="267"/>
+            <ac:spMk id="3" creationId="{40BC3215-2240-A050-3ACC-8CD157A7EA96}"/>
+          </ac:spMkLst>
+        </pc:spChg>
         <pc:spChg chg="del">
           <ac:chgData name="rudra shivhare" userId="6820c723002916ee" providerId="LiveId" clId="{EFD2A882-90EB-4422-9E55-1A69A2833FE3}" dt="2024-08-07T16:40:00.157" v="1173" actId="1032"/>
           <ac:spMkLst>
             <pc:docMk/>
             <pc:sldMk cId="3322786182" sldId="267"/>
             <ac:spMk id="3" creationId="{9F5D1515-42CA-361E-70A1-F44454ECAB9E}"/>
+          </ac:spMkLst>
+        </pc:spChg>
+        <pc:spChg chg="add mod">
+          <ac:chgData name="rudra shivhare" userId="6820c723002916ee" providerId="LiveId" clId="{EFD2A882-90EB-4422-9E55-1A69A2833FE3}" dt="2024-08-08T15:45:14.184" v="1559" actId="1076"/>
+          <ac:spMkLst>
+            <pc:docMk/>
+            <pc:sldMk cId="3322786182" sldId="267"/>
+            <ac:spMk id="4" creationId="{8E3351A9-99AB-C61F-D435-922DAA0EA54E}"/>
           </ac:spMkLst>
         </pc:spChg>
         <pc:spChg chg="add del mod">
@@ -490,7 +499,7 @@
           </ac:graphicFrameMkLst>
         </pc:graphicFrameChg>
         <pc:graphicFrameChg chg="add mod modGraphic">
-          <ac:chgData name="rudra shivhare" userId="6820c723002916ee" providerId="LiveId" clId="{EFD2A882-90EB-4422-9E55-1A69A2833FE3}" dt="2024-08-07T16:46:05.448" v="1287" actId="20577"/>
+          <ac:chgData name="rudra shivhare" userId="6820c723002916ee" providerId="LiveId" clId="{EFD2A882-90EB-4422-9E55-1A69A2833FE3}" dt="2024-08-08T15:42:25.897" v="1501" actId="20577"/>
           <ac:graphicFrameMkLst>
             <pc:docMk/>
             <pc:sldMk cId="3322786182" sldId="267"/>
@@ -499,7 +508,7 @@
         </pc:graphicFrameChg>
       </pc:sldChg>
       <pc:sldChg chg="addSp modSp new mod">
-        <pc:chgData name="rudra shivhare" userId="6820c723002916ee" providerId="LiveId" clId="{EFD2A882-90EB-4422-9E55-1A69A2833FE3}" dt="2024-08-07T16:52:09.538" v="1474" actId="14100"/>
+        <pc:chgData name="rudra shivhare" userId="6820c723002916ee" providerId="LiveId" clId="{EFD2A882-90EB-4422-9E55-1A69A2833FE3}" dt="2024-08-08T15:45:42.704" v="1564" actId="1076"/>
         <pc:sldMkLst>
           <pc:docMk/>
           <pc:sldMk cId="4273266085" sldId="268"/>
@@ -513,11 +522,19 @@
           </ac:spMkLst>
         </pc:spChg>
         <pc:spChg chg="mod">
-          <ac:chgData name="rudra shivhare" userId="6820c723002916ee" providerId="LiveId" clId="{EFD2A882-90EB-4422-9E55-1A69A2833FE3}" dt="2024-08-07T16:49:06.883" v="1451" actId="20577"/>
+          <ac:chgData name="rudra shivhare" userId="6820c723002916ee" providerId="LiveId" clId="{EFD2A882-90EB-4422-9E55-1A69A2833FE3}" dt="2024-08-08T15:42:59.987" v="1527" actId="20577"/>
           <ac:spMkLst>
             <pc:docMk/>
             <pc:sldMk cId="4273266085" sldId="268"/>
             <ac:spMk id="3" creationId="{7C19C7B3-CE63-15C8-E836-F9EF88CE7C6A}"/>
+          </ac:spMkLst>
+        </pc:spChg>
+        <pc:spChg chg="add mod">
+          <ac:chgData name="rudra shivhare" userId="6820c723002916ee" providerId="LiveId" clId="{EFD2A882-90EB-4422-9E55-1A69A2833FE3}" dt="2024-08-08T15:45:42.704" v="1564" actId="1076"/>
+          <ac:spMkLst>
+            <pc:docMk/>
+            <pc:sldMk cId="4273266085" sldId="268"/>
+            <ac:spMk id="4" creationId="{E8699F87-7421-ADD7-5A0E-7167741C7688}"/>
           </ac:spMkLst>
         </pc:spChg>
         <pc:picChg chg="add mod">
@@ -530,7 +547,7 @@
         </pc:picChg>
       </pc:sldChg>
       <pc:sldChg chg="addSp delSp modSp new mod">
-        <pc:chgData name="rudra shivhare" userId="6820c723002916ee" providerId="LiveId" clId="{EFD2A882-90EB-4422-9E55-1A69A2833FE3}" dt="2024-08-07T16:55:35.394" v="1479" actId="1076"/>
+        <pc:chgData name="rudra shivhare" userId="6820c723002916ee" providerId="LiveId" clId="{EFD2A882-90EB-4422-9E55-1A69A2833FE3}" dt="2024-08-08T15:45:35.608" v="1563" actId="1076"/>
         <pc:sldMkLst>
           <pc:docMk/>
           <pc:sldMk cId="2878170183" sldId="269"/>
@@ -557,6 +574,14 @@
             <pc:docMk/>
             <pc:sldMk cId="2878170183" sldId="269"/>
             <ac:spMk id="4" creationId="{936D7381-8336-75F7-484C-3289789C188D}"/>
+          </ac:spMkLst>
+        </pc:spChg>
+        <pc:spChg chg="add mod">
+          <ac:chgData name="rudra shivhare" userId="6820c723002916ee" providerId="LiveId" clId="{EFD2A882-90EB-4422-9E55-1A69A2833FE3}" dt="2024-08-08T15:45:35.608" v="1563" actId="1076"/>
+          <ac:spMkLst>
+            <pc:docMk/>
+            <pc:sldMk cId="2878170183" sldId="269"/>
+            <ac:spMk id="4" creationId="{E27429AF-0EFE-6333-32DD-62BC7CAF6A8C}"/>
           </ac:spMkLst>
         </pc:spChg>
         <pc:picChg chg="add del mod">
@@ -1431,7 +1456,7 @@
       <dgm:spPr/>
     </dgm:pt>
     <dgm:pt modelId="{93D44839-47E2-48D2-A036-F7E4AE50AD4D}" type="pres">
-      <dgm:prSet presAssocID="{42EFB51B-9108-434A-B4D2-44A4168E63E0}" presName="arrow" presStyleLbl="node1" presStyleIdx="0" presStyleCnt="2">
+      <dgm:prSet presAssocID="{42EFB51B-9108-434A-B4D2-44A4168E63E0}" presName="arrow" presStyleLbl="node1" presStyleIdx="0" presStyleCnt="2" custRadScaleRad="100017" custRadScaleInc="180">
         <dgm:presLayoutVars>
           <dgm:bulletEnabled val="1"/>
         </dgm:presLayoutVars>
@@ -1481,7 +1506,7 @@
       </dsp:nvSpPr>
       <dsp:spPr>
         <a:xfrm rot="16200000">
-          <a:off x="263" y="429560"/>
+          <a:off x="7" y="420156"/>
           <a:ext cx="3022315" cy="3022315"/>
         </a:xfrm>
         <a:prstGeom prst="upArrow">
@@ -1550,7 +1575,7 @@
         </a:p>
       </dsp:txBody>
       <dsp:txXfrm rot="5400000">
-        <a:off x="529169" y="1185138"/>
+        <a:off x="528913" y="1175734"/>
         <a:ext cx="2493410" cy="1511157"/>
       </dsp:txXfrm>
     </dsp:sp>
@@ -3644,7 +3669,7 @@
           <a:p>
             <a:fld id="{5BCAD085-E8A6-8845-BD4E-CB4CCA059FC4}" type="datetimeFigureOut">
               <a:rPr lang="en-US" smtClean="0"/>
-              <a:t>8/7/2024</a:t>
+              <a:t>8/8/2024</a:t>
             </a:fld>
             <a:endParaRPr lang="en-US"/>
           </a:p>
@@ -3895,7 +3920,7 @@
           <a:p>
             <a:fld id="{5BCAD085-E8A6-8845-BD4E-CB4CCA059FC4}" type="datetimeFigureOut">
               <a:rPr lang="en-US" smtClean="0"/>
-              <a:t>8/7/2024</a:t>
+              <a:t>8/8/2024</a:t>
             </a:fld>
             <a:endParaRPr lang="en-US"/>
           </a:p>
@@ -4209,7 +4234,7 @@
           <a:p>
             <a:fld id="{5BCAD085-E8A6-8845-BD4E-CB4CCA059FC4}" type="datetimeFigureOut">
               <a:rPr lang="en-US" smtClean="0"/>
-              <a:t>8/7/2024</a:t>
+              <a:t>8/8/2024</a:t>
             </a:fld>
             <a:endParaRPr lang="en-US"/>
           </a:p>
@@ -4542,7 +4567,7 @@
           <a:p>
             <a:fld id="{5BCAD085-E8A6-8845-BD4E-CB4CCA059FC4}" type="datetimeFigureOut">
               <a:rPr lang="en-US" smtClean="0"/>
-              <a:t>8/7/2024</a:t>
+              <a:t>8/8/2024</a:t>
             </a:fld>
             <a:endParaRPr lang="en-US"/>
           </a:p>
@@ -4856,7 +4881,7 @@
           <a:p>
             <a:fld id="{5BCAD085-E8A6-8845-BD4E-CB4CCA059FC4}" type="datetimeFigureOut">
               <a:rPr lang="en-US" smtClean="0"/>
-              <a:t>8/7/2024</a:t>
+              <a:t>8/8/2024</a:t>
             </a:fld>
             <a:endParaRPr lang="en-US"/>
           </a:p>
@@ -5249,7 +5274,7 @@
           <a:p>
             <a:fld id="{5BCAD085-E8A6-8845-BD4E-CB4CCA059FC4}" type="datetimeFigureOut">
               <a:rPr lang="en-US" smtClean="0"/>
-              <a:t>8/7/2024</a:t>
+              <a:t>8/8/2024</a:t>
             </a:fld>
             <a:endParaRPr lang="en-US"/>
           </a:p>
@@ -5419,7 +5444,7 @@
           <a:p>
             <a:fld id="{5BCAD085-E8A6-8845-BD4E-CB4CCA059FC4}" type="datetimeFigureOut">
               <a:rPr lang="en-US" smtClean="0"/>
-              <a:t>8/7/2024</a:t>
+              <a:t>8/8/2024</a:t>
             </a:fld>
             <a:endParaRPr lang="en-US"/>
           </a:p>
@@ -5599,7 +5624,7 @@
           <a:p>
             <a:fld id="{5BCAD085-E8A6-8845-BD4E-CB4CCA059FC4}" type="datetimeFigureOut">
               <a:rPr lang="en-US" smtClean="0"/>
-              <a:t>8/7/2024</a:t>
+              <a:t>8/8/2024</a:t>
             </a:fld>
             <a:endParaRPr lang="en-US"/>
           </a:p>
@@ -5769,7 +5794,7 @@
           <a:p>
             <a:fld id="{5BCAD085-E8A6-8845-BD4E-CB4CCA059FC4}" type="datetimeFigureOut">
               <a:rPr lang="en-US" smtClean="0"/>
-              <a:t>8/7/2024</a:t>
+              <a:t>8/8/2024</a:t>
             </a:fld>
             <a:endParaRPr lang="en-US"/>
           </a:p>
@@ -6016,7 +6041,7 @@
           <a:p>
             <a:fld id="{5BCAD085-E8A6-8845-BD4E-CB4CCA059FC4}" type="datetimeFigureOut">
               <a:rPr lang="en-US" smtClean="0"/>
-              <a:t>8/7/2024</a:t>
+              <a:t>8/8/2024</a:t>
             </a:fld>
             <a:endParaRPr lang="en-US"/>
           </a:p>
@@ -6313,7 +6338,7 @@
           <a:p>
             <a:fld id="{5BCAD085-E8A6-8845-BD4E-CB4CCA059FC4}" type="datetimeFigureOut">
               <a:rPr lang="en-US" smtClean="0"/>
-              <a:t>8/7/2024</a:t>
+              <a:t>8/8/2024</a:t>
             </a:fld>
             <a:endParaRPr lang="en-US"/>
           </a:p>
@@ -6692,7 +6717,7 @@
           <a:p>
             <a:fld id="{5BCAD085-E8A6-8845-BD4E-CB4CCA059FC4}" type="datetimeFigureOut">
               <a:rPr lang="en-US" smtClean="0"/>
-              <a:t>8/7/2024</a:t>
+              <a:t>8/8/2024</a:t>
             </a:fld>
             <a:endParaRPr lang="en-US"/>
           </a:p>
@@ -6815,7 +6840,7 @@
           <a:p>
             <a:fld id="{5BCAD085-E8A6-8845-BD4E-CB4CCA059FC4}" type="datetimeFigureOut">
               <a:rPr lang="en-US" smtClean="0"/>
-              <a:t>8/7/2024</a:t>
+              <a:t>8/8/2024</a:t>
             </a:fld>
             <a:endParaRPr lang="en-US"/>
           </a:p>
@@ -6910,7 +6935,7 @@
           <a:p>
             <a:fld id="{5BCAD085-E8A6-8845-BD4E-CB4CCA059FC4}" type="datetimeFigureOut">
               <a:rPr lang="en-US" smtClean="0"/>
-              <a:t>8/7/2024</a:t>
+              <a:t>8/8/2024</a:t>
             </a:fld>
             <a:endParaRPr lang="en-US"/>
           </a:p>
@@ -7165,7 +7190,7 @@
           <a:p>
             <a:fld id="{5BCAD085-E8A6-8845-BD4E-CB4CCA059FC4}" type="datetimeFigureOut">
               <a:rPr lang="en-US" smtClean="0"/>
-              <a:t>8/7/2024</a:t>
+              <a:t>8/8/2024</a:t>
             </a:fld>
             <a:endParaRPr lang="en-US"/>
           </a:p>
@@ -7428,7 +7453,7 @@
           <a:p>
             <a:fld id="{5BCAD085-E8A6-8845-BD4E-CB4CCA059FC4}" type="datetimeFigureOut">
               <a:rPr lang="en-US" smtClean="0"/>
-              <a:t>8/7/2024</a:t>
+              <a:t>8/8/2024</a:t>
             </a:fld>
             <a:endParaRPr lang="en-US"/>
           </a:p>
@@ -8242,7 +8267,7 @@
           <a:p>
             <a:fld id="{5BCAD085-E8A6-8845-BD4E-CB4CCA059FC4}" type="datetimeFigureOut">
               <a:rPr lang="en-US" smtClean="0"/>
-              <a:t>8/7/2024</a:t>
+              <a:t>8/8/2024</a:t>
             </a:fld>
             <a:endParaRPr lang="en-US"/>
           </a:p>
@@ -9645,7 +9670,7 @@
             <p:ph idx="1"/>
             <p:extLst>
               <p:ext uri="{D42A27DB-BD31-4B8C-83A1-F6EECF244321}">
-                <p14:modId xmlns:p14="http://schemas.microsoft.com/office/powerpoint/2010/main" val="292175981"/>
+                <p14:modId xmlns:p14="http://schemas.microsoft.com/office/powerpoint/2010/main" val="936771768"/>
               </p:ext>
             </p:extLst>
           </p:nvPr>
@@ -9660,6 +9685,54 @@
           </a:graphicData>
         </a:graphic>
       </p:graphicFrame>
+      <p:sp>
+        <p:nvSpPr>
+          <p:cNvPr id="4" name="TextBox 3">
+            <a:extLst>
+              <a:ext uri="{FF2B5EF4-FFF2-40B4-BE49-F238E27FC236}">
+                <a16:creationId xmlns:a16="http://schemas.microsoft.com/office/drawing/2014/main" id="{8E3351A9-99AB-C61F-D435-922DAA0EA54E}"/>
+              </a:ext>
+            </a:extLst>
+          </p:cNvPr>
+          <p:cNvSpPr txBox="1"/>
+          <p:nvPr/>
+        </p:nvSpPr>
+        <p:spPr>
+          <a:xfrm>
+            <a:off x="2040903" y="3916640"/>
+            <a:ext cx="4586140" cy="369332"/>
+          </a:xfrm>
+          <a:prstGeom prst="rect">
+            <a:avLst/>
+          </a:prstGeom>
+          <a:noFill/>
+        </p:spPr>
+        <p:txBody>
+          <a:bodyPr wrap="square">
+            <a:spAutoFit/>
+          </a:bodyPr>
+          <a:lstStyle/>
+          <a:p>
+            <a:r>
+              <a:rPr lang="en-US" dirty="0">
+                <a:solidFill>
+                  <a:schemeClr val="tx1">
+                    <a:alpha val="14000"/>
+                  </a:schemeClr>
+                </a:solidFill>
+              </a:rPr>
+              <a:t>Made by Rudra Shivhare</a:t>
+            </a:r>
+            <a:endParaRPr lang="en-IN" dirty="0">
+              <a:solidFill>
+                <a:schemeClr val="tx1">
+                  <a:alpha val="14000"/>
+                </a:schemeClr>
+              </a:solidFill>
+            </a:endParaRPr>
+          </a:p>
+        </p:txBody>
+      </p:sp>
     </p:spTree>
     <p:extLst>
       <p:ext uri="{BB962C8B-B14F-4D97-AF65-F5344CB8AC3E}">
@@ -9745,11 +9818,11 @@
             </a:r>
             <a:r>
               <a:rPr lang="en-IN" dirty="0" err="1"/>
-              <a:t>Mechenical</a:t>
+              <a:t>Magenetic</a:t>
             </a:r>
             <a:r>
               <a:rPr lang="en-IN" dirty="0"/>
-              <a:t> Recycling.</a:t>
+              <a:t> or bioleaching Recycling.</a:t>
             </a:r>
             <a:r>
               <a:rPr lang="en-US" dirty="0"/>
@@ -9794,6 +9867,54 @@
           </a:prstGeom>
         </p:spPr>
       </p:pic>
+      <p:sp>
+        <p:nvSpPr>
+          <p:cNvPr id="4" name="TextBox 3">
+            <a:extLst>
+              <a:ext uri="{FF2B5EF4-FFF2-40B4-BE49-F238E27FC236}">
+                <a16:creationId xmlns:a16="http://schemas.microsoft.com/office/drawing/2014/main" id="{E8699F87-7421-ADD7-5A0E-7167741C7688}"/>
+              </a:ext>
+            </a:extLst>
+          </p:cNvPr>
+          <p:cNvSpPr txBox="1"/>
+          <p:nvPr/>
+        </p:nvSpPr>
+        <p:spPr>
+          <a:xfrm>
+            <a:off x="223619" y="4068432"/>
+            <a:ext cx="4586140" cy="369332"/>
+          </a:xfrm>
+          <a:prstGeom prst="rect">
+            <a:avLst/>
+          </a:prstGeom>
+          <a:noFill/>
+        </p:spPr>
+        <p:txBody>
+          <a:bodyPr wrap="square">
+            <a:spAutoFit/>
+          </a:bodyPr>
+          <a:lstStyle/>
+          <a:p>
+            <a:r>
+              <a:rPr lang="en-US" dirty="0">
+                <a:solidFill>
+                  <a:schemeClr val="tx1">
+                    <a:alpha val="14000"/>
+                  </a:schemeClr>
+                </a:solidFill>
+              </a:rPr>
+              <a:t>Made by Rudra Shivhare</a:t>
+            </a:r>
+            <a:endParaRPr lang="en-IN" dirty="0">
+              <a:solidFill>
+                <a:schemeClr val="tx1">
+                  <a:alpha val="14000"/>
+                </a:schemeClr>
+              </a:solidFill>
+            </a:endParaRPr>
+          </a:p>
+        </p:txBody>
+      </p:sp>
     </p:spTree>
     <p:extLst>
       <p:ext uri="{BB962C8B-B14F-4D97-AF65-F5344CB8AC3E}">
@@ -9910,6 +10031,54 @@
           </a:prstGeom>
         </p:spPr>
       </p:pic>
+      <p:sp>
+        <p:nvSpPr>
+          <p:cNvPr id="4" name="TextBox 3">
+            <a:extLst>
+              <a:ext uri="{FF2B5EF4-FFF2-40B4-BE49-F238E27FC236}">
+                <a16:creationId xmlns:a16="http://schemas.microsoft.com/office/drawing/2014/main" id="{E27429AF-0EFE-6333-32DD-62BC7CAF6A8C}"/>
+              </a:ext>
+            </a:extLst>
+          </p:cNvPr>
+          <p:cNvSpPr txBox="1"/>
+          <p:nvPr/>
+        </p:nvSpPr>
+        <p:spPr>
+          <a:xfrm>
+            <a:off x="391212" y="4733730"/>
+            <a:ext cx="4586140" cy="369332"/>
+          </a:xfrm>
+          <a:prstGeom prst="rect">
+            <a:avLst/>
+          </a:prstGeom>
+          <a:noFill/>
+        </p:spPr>
+        <p:txBody>
+          <a:bodyPr wrap="square">
+            <a:spAutoFit/>
+          </a:bodyPr>
+          <a:lstStyle/>
+          <a:p>
+            <a:r>
+              <a:rPr lang="en-US" dirty="0">
+                <a:solidFill>
+                  <a:schemeClr val="tx1">
+                    <a:alpha val="14000"/>
+                  </a:schemeClr>
+                </a:solidFill>
+              </a:rPr>
+              <a:t>Made by Rudra Shivhare</a:t>
+            </a:r>
+            <a:endParaRPr lang="en-IN" dirty="0">
+              <a:solidFill>
+                <a:schemeClr val="tx1">
+                  <a:alpha val="14000"/>
+                </a:schemeClr>
+              </a:solidFill>
+            </a:endParaRPr>
+          </a:p>
+        </p:txBody>
+      </p:sp>
     </p:spTree>
     <p:extLst>
       <p:ext uri="{BB962C8B-B14F-4D97-AF65-F5344CB8AC3E}">
